--- a/2012211127-毕业答辩.pptx
+++ b/2012211127-毕业答辩.pptx
@@ -14,6 +14,13 @@
     <p:sldId id="262" r:id="rId8"/>
     <p:sldId id="263" r:id="rId9"/>
     <p:sldId id="264" r:id="rId10"/>
+    <p:sldId id="269" r:id="rId11"/>
+    <p:sldId id="270" r:id="rId12"/>
+    <p:sldId id="271" r:id="rId13"/>
+    <p:sldId id="272" r:id="rId14"/>
+    <p:sldId id="268" r:id="rId15"/>
+    <p:sldId id="267" r:id="rId16"/>
+    <p:sldId id="266" r:id="rId17"/>
   </p:sldIdLst>
   <p:sldSz cx="12192000" cy="6858000"/>
   <p:notesSz cx="6858000" cy="9144000"/>
@@ -262,7 +269,7 @@
           <a:p>
             <a:fld id="{D5A8AACB-D4CE-4849-8240-8535E08C42D6}" type="datetimeFigureOut">
               <a:rPr lang="zh-CN" altLang="en-US" smtClean="0"/>
-              <a:t>2016/5/25</a:t>
+              <a:t>2016/5/28</a:t>
             </a:fld>
             <a:endParaRPr lang="zh-CN" altLang="en-US"/>
           </a:p>
@@ -432,7 +439,7 @@
           <a:p>
             <a:fld id="{D5A8AACB-D4CE-4849-8240-8535E08C42D6}" type="datetimeFigureOut">
               <a:rPr lang="zh-CN" altLang="en-US" smtClean="0"/>
-              <a:t>2016/5/25</a:t>
+              <a:t>2016/5/28</a:t>
             </a:fld>
             <a:endParaRPr lang="zh-CN" altLang="en-US"/>
           </a:p>
@@ -612,7 +619,7 @@
           <a:p>
             <a:fld id="{D5A8AACB-D4CE-4849-8240-8535E08C42D6}" type="datetimeFigureOut">
               <a:rPr lang="zh-CN" altLang="en-US" smtClean="0"/>
-              <a:t>2016/5/25</a:t>
+              <a:t>2016/5/28</a:t>
             </a:fld>
             <a:endParaRPr lang="zh-CN" altLang="en-US"/>
           </a:p>
@@ -782,7 +789,7 @@
           <a:p>
             <a:fld id="{D5A8AACB-D4CE-4849-8240-8535E08C42D6}" type="datetimeFigureOut">
               <a:rPr lang="zh-CN" altLang="en-US" smtClean="0"/>
-              <a:t>2016/5/25</a:t>
+              <a:t>2016/5/28</a:t>
             </a:fld>
             <a:endParaRPr lang="zh-CN" altLang="en-US"/>
           </a:p>
@@ -1028,7 +1035,7 @@
           <a:p>
             <a:fld id="{D5A8AACB-D4CE-4849-8240-8535E08C42D6}" type="datetimeFigureOut">
               <a:rPr lang="zh-CN" altLang="en-US" smtClean="0"/>
-              <a:t>2016/5/25</a:t>
+              <a:t>2016/5/28</a:t>
             </a:fld>
             <a:endParaRPr lang="zh-CN" altLang="en-US"/>
           </a:p>
@@ -1260,7 +1267,7 @@
           <a:p>
             <a:fld id="{D5A8AACB-D4CE-4849-8240-8535E08C42D6}" type="datetimeFigureOut">
               <a:rPr lang="zh-CN" altLang="en-US" smtClean="0"/>
-              <a:t>2016/5/25</a:t>
+              <a:t>2016/5/28</a:t>
             </a:fld>
             <a:endParaRPr lang="zh-CN" altLang="en-US"/>
           </a:p>
@@ -1627,7 +1634,7 @@
           <a:p>
             <a:fld id="{D5A8AACB-D4CE-4849-8240-8535E08C42D6}" type="datetimeFigureOut">
               <a:rPr lang="zh-CN" altLang="en-US" smtClean="0"/>
-              <a:t>2016/5/25</a:t>
+              <a:t>2016/5/28</a:t>
             </a:fld>
             <a:endParaRPr lang="zh-CN" altLang="en-US"/>
           </a:p>
@@ -1745,7 +1752,7 @@
           <a:p>
             <a:fld id="{D5A8AACB-D4CE-4849-8240-8535E08C42D6}" type="datetimeFigureOut">
               <a:rPr lang="zh-CN" altLang="en-US" smtClean="0"/>
-              <a:t>2016/5/25</a:t>
+              <a:t>2016/5/28</a:t>
             </a:fld>
             <a:endParaRPr lang="zh-CN" altLang="en-US"/>
           </a:p>
@@ -1840,7 +1847,7 @@
           <a:p>
             <a:fld id="{D5A8AACB-D4CE-4849-8240-8535E08C42D6}" type="datetimeFigureOut">
               <a:rPr lang="zh-CN" altLang="en-US" smtClean="0"/>
-              <a:t>2016/5/25</a:t>
+              <a:t>2016/5/28</a:t>
             </a:fld>
             <a:endParaRPr lang="zh-CN" altLang="en-US"/>
           </a:p>
@@ -2117,7 +2124,7 @@
           <a:p>
             <a:fld id="{D5A8AACB-D4CE-4849-8240-8535E08C42D6}" type="datetimeFigureOut">
               <a:rPr lang="zh-CN" altLang="en-US" smtClean="0"/>
-              <a:t>2016/5/25</a:t>
+              <a:t>2016/5/28</a:t>
             </a:fld>
             <a:endParaRPr lang="zh-CN" altLang="en-US"/>
           </a:p>
@@ -2370,7 +2377,7 @@
           <a:p>
             <a:fld id="{D5A8AACB-D4CE-4849-8240-8535E08C42D6}" type="datetimeFigureOut">
               <a:rPr lang="zh-CN" altLang="en-US" smtClean="0"/>
-              <a:t>2016/5/25</a:t>
+              <a:t>2016/5/28</a:t>
             </a:fld>
             <a:endParaRPr lang="zh-CN" altLang="en-US"/>
           </a:p>
@@ -2586,7 +2593,7 @@
           <a:p>
             <a:fld id="{D5A8AACB-D4CE-4849-8240-8535E08C42D6}" type="datetimeFigureOut">
               <a:rPr lang="zh-CN" altLang="en-US" smtClean="0"/>
-              <a:t>2016/5/25</a:t>
+              <a:t>2016/5/28</a:t>
             </a:fld>
             <a:endParaRPr lang="zh-CN" altLang="en-US"/>
           </a:p>
@@ -3113,7 +3120,7 @@
         </p:nvSpPr>
         <p:spPr>
           <a:xfrm>
-            <a:off x="4770152" y="3237216"/>
+            <a:off x="4465354" y="3237216"/>
             <a:ext cx="2678938" cy="461665"/>
           </a:xfrm>
           <a:prstGeom prst="rect">
@@ -3143,7 +3150,7 @@
         </p:nvSpPr>
         <p:spPr>
           <a:xfrm>
-            <a:off x="4770152" y="3678279"/>
+            <a:off x="4465354" y="3678279"/>
             <a:ext cx="2646878" cy="461665"/>
           </a:xfrm>
           <a:prstGeom prst="rect">
@@ -3173,7 +3180,7 @@
         </p:nvSpPr>
         <p:spPr>
           <a:xfrm>
-            <a:off x="4770152" y="4119342"/>
+            <a:off x="4465354" y="4119342"/>
             <a:ext cx="3570208" cy="461665"/>
           </a:xfrm>
           <a:prstGeom prst="rect">
@@ -3203,7 +3210,7 @@
         </p:nvSpPr>
         <p:spPr>
           <a:xfrm>
-            <a:off x="4770152" y="4560405"/>
+            <a:off x="4465354" y="4560405"/>
             <a:ext cx="2752677" cy="461665"/>
           </a:xfrm>
           <a:prstGeom prst="rect">
@@ -3237,7 +3244,7 @@
         </p:nvSpPr>
         <p:spPr>
           <a:xfrm>
-            <a:off x="4770152" y="5001466"/>
+            <a:off x="4465354" y="5001466"/>
             <a:ext cx="3438762" cy="461665"/>
           </a:xfrm>
           <a:prstGeom prst="rect">
@@ -3296,6 +3303,2163 @@
     <p:extLst>
       <p:ext uri="{BB962C8B-B14F-4D97-AF65-F5344CB8AC3E}">
         <p14:creationId xmlns:p14="http://schemas.microsoft.com/office/powerpoint/2010/main" val="1472521493"/>
+      </p:ext>
+    </p:extLst>
+  </p:cSld>
+  <p:clrMapOvr>
+    <a:masterClrMapping/>
+  </p:clrMapOvr>
+  <p:timing>
+    <p:tnLst>
+      <p:par>
+        <p:cTn id="1" dur="indefinite" restart="never" nodeType="tmRoot"/>
+      </p:par>
+    </p:tnLst>
+  </p:timing>
+</p:sld>
+</file>
+
+<file path=ppt/slides/slide10.xml><?xml version="1.0" encoding="utf-8"?>
+<p:sld xmlns:a="http://schemas.openxmlformats.org/drawingml/2006/main" xmlns:r="http://schemas.openxmlformats.org/officeDocument/2006/relationships" xmlns:p="http://schemas.openxmlformats.org/presentationml/2006/main">
+  <p:cSld>
+    <p:spTree>
+      <p:nvGrpSpPr>
+        <p:cNvPr id="1" name=""/>
+        <p:cNvGrpSpPr/>
+        <p:nvPr/>
+      </p:nvGrpSpPr>
+      <p:grpSpPr>
+        <a:xfrm>
+          <a:off x="0" y="0"/>
+          <a:ext cx="0" cy="0"/>
+          <a:chOff x="0" y="0"/>
+          <a:chExt cx="0" cy="0"/>
+        </a:xfrm>
+      </p:grpSpPr>
+      <p:pic>
+        <p:nvPicPr>
+          <p:cNvPr id="5" name="图片 4"/>
+          <p:cNvPicPr>
+            <a:picLocks noChangeAspect="1"/>
+          </p:cNvPicPr>
+          <p:nvPr/>
+        </p:nvPicPr>
+        <p:blipFill rotWithShape="1">
+          <a:blip r:embed="rId2">
+            <a:extLst>
+              <a:ext uri="{28A0092B-C50C-407E-A947-70E740481C1C}">
+                <a14:useLocalDpi xmlns:a14="http://schemas.microsoft.com/office/drawing/2010/main" val="0"/>
+              </a:ext>
+            </a:extLst>
+          </a:blip>
+          <a:srcRect l="81698"/>
+          <a:stretch/>
+        </p:blipFill>
+        <p:spPr>
+          <a:xfrm>
+            <a:off x="0" y="0"/>
+            <a:ext cx="12191999" cy="1007512"/>
+          </a:xfrm>
+          <a:prstGeom prst="rect">
+            <a:avLst/>
+          </a:prstGeom>
+        </p:spPr>
+      </p:pic>
+      <p:pic>
+        <p:nvPicPr>
+          <p:cNvPr id="4" name="图片 3"/>
+          <p:cNvPicPr>
+            <a:picLocks noChangeAspect="1"/>
+          </p:cNvPicPr>
+          <p:nvPr/>
+        </p:nvPicPr>
+        <p:blipFill>
+          <a:blip r:embed="rId2">
+            <a:extLst>
+              <a:ext uri="{28A0092B-C50C-407E-A947-70E740481C1C}">
+                <a14:useLocalDpi xmlns:a14="http://schemas.microsoft.com/office/drawing/2010/main" val="0"/>
+              </a:ext>
+            </a:extLst>
+          </a:blip>
+          <a:stretch>
+            <a:fillRect/>
+          </a:stretch>
+        </p:blipFill>
+        <p:spPr>
+          <a:xfrm>
+            <a:off x="0" y="0"/>
+            <a:ext cx="4062549" cy="997216"/>
+          </a:xfrm>
+          <a:prstGeom prst="rect">
+            <a:avLst/>
+          </a:prstGeom>
+        </p:spPr>
+      </p:pic>
+      <p:sp>
+        <p:nvSpPr>
+          <p:cNvPr id="17" name="AutoShape 2794"/>
+          <p:cNvSpPr>
+            <a:spLocks noChangeArrowheads="1"/>
+          </p:cNvSpPr>
+          <p:nvPr/>
+        </p:nvSpPr>
+        <p:spPr bwMode="auto">
+          <a:xfrm>
+            <a:off x="7975600" y="330467"/>
+            <a:ext cx="4216399" cy="666749"/>
+          </a:xfrm>
+          <a:prstGeom prst="chevron">
+            <a:avLst>
+              <a:gd name="adj" fmla="val 32173"/>
+            </a:avLst>
+          </a:prstGeom>
+          <a:solidFill>
+            <a:srgbClr val="009FDB"/>
+          </a:solidFill>
+          <a:ln w="9525">
+            <a:noFill/>
+            <a:miter lim="800000"/>
+            <a:headEnd/>
+            <a:tailEnd/>
+          </a:ln>
+          <a:effectLst/>
+        </p:spPr>
+        <p:txBody>
+          <a:bodyPr wrap="none" anchor="ctr"/>
+          <a:lstStyle/>
+          <a:p>
+            <a:pPr algn="ctr"/>
+            <a:r>
+              <a:rPr lang="zh-CN" altLang="zh-CN" sz="1600" b="1" dirty="0" smtClean="0">
+                <a:solidFill>
+                  <a:srgbClr val="FFFFFF"/>
+                </a:solidFill>
+              </a:rPr>
+              <a:t>基于</a:t>
+            </a:r>
+            <a:r>
+              <a:rPr lang="en-US" altLang="zh-CN" sz="1600" b="1" dirty="0" smtClean="0">
+                <a:solidFill>
+                  <a:srgbClr val="FFFFFF"/>
+                </a:solidFill>
+              </a:rPr>
+              <a:t>B/S</a:t>
+            </a:r>
+            <a:r>
+              <a:rPr lang="zh-CN" altLang="zh-CN" sz="1600" b="1" dirty="0" smtClean="0">
+                <a:solidFill>
+                  <a:srgbClr val="FFFFFF"/>
+                </a:solidFill>
+              </a:rPr>
+              <a:t>模式的</a:t>
+            </a:r>
+            <a:r>
+              <a:rPr lang="en-US" altLang="zh-CN" sz="1600" b="1" dirty="0" smtClean="0">
+                <a:solidFill>
+                  <a:srgbClr val="FFFFFF"/>
+                </a:solidFill>
+              </a:rPr>
+              <a:t>Java</a:t>
+            </a:r>
+            <a:r>
+              <a:rPr lang="zh-CN" altLang="zh-CN" sz="1600" b="1" dirty="0" smtClean="0">
+                <a:solidFill>
+                  <a:srgbClr val="FFFFFF"/>
+                </a:solidFill>
+              </a:rPr>
+              <a:t>编程知识在线测试系统</a:t>
+            </a:r>
+            <a:endParaRPr lang="zh-CN" altLang="zh-CN" sz="1600" b="1" dirty="0">
+              <a:solidFill>
+                <a:srgbClr val="FFFFFF"/>
+              </a:solidFill>
+            </a:endParaRPr>
+          </a:p>
+        </p:txBody>
+      </p:sp>
+      <p:pic>
+        <p:nvPicPr>
+          <p:cNvPr id="19" name="图片 18"/>
+          <p:cNvPicPr>
+            <a:picLocks noChangeAspect="1"/>
+          </p:cNvPicPr>
+          <p:nvPr/>
+        </p:nvPicPr>
+        <p:blipFill rotWithShape="1">
+          <a:blip r:embed="rId2">
+            <a:extLst>
+              <a:ext uri="{28A0092B-C50C-407E-A947-70E740481C1C}">
+                <a14:useLocalDpi xmlns:a14="http://schemas.microsoft.com/office/drawing/2010/main" val="0"/>
+              </a:ext>
+            </a:extLst>
+          </a:blip>
+          <a:srcRect l="81698"/>
+          <a:stretch/>
+        </p:blipFill>
+        <p:spPr>
+          <a:xfrm>
+            <a:off x="1" y="6663595"/>
+            <a:ext cx="12191999" cy="84774"/>
+          </a:xfrm>
+          <a:prstGeom prst="rect">
+            <a:avLst/>
+          </a:prstGeom>
+        </p:spPr>
+      </p:pic>
+      <p:sp>
+        <p:nvSpPr>
+          <p:cNvPr id="2" name="矩形 1"/>
+          <p:cNvSpPr/>
+          <p:nvPr/>
+        </p:nvSpPr>
+        <p:spPr>
+          <a:xfrm>
+            <a:off x="83728" y="2333472"/>
+            <a:ext cx="3159839" cy="523220"/>
+          </a:xfrm>
+          <a:prstGeom prst="rect">
+            <a:avLst/>
+          </a:prstGeom>
+        </p:spPr>
+        <p:txBody>
+          <a:bodyPr wrap="none">
+            <a:spAutoFit/>
+          </a:bodyPr>
+          <a:lstStyle/>
+          <a:p>
+            <a:pPr marL="457200" indent="-457200" algn="ctr">
+              <a:buFont typeface="Arial" panose="020B0604020202020204" pitchFamily="34" charset="0"/>
+              <a:buChar char="•"/>
+            </a:pPr>
+            <a:r>
+              <a:rPr lang="zh-CN" altLang="en-US" sz="2800" b="1" dirty="0" smtClean="0"/>
+              <a:t>系统功能结构图</a:t>
+            </a:r>
+            <a:endParaRPr lang="zh-CN" altLang="zh-CN" sz="2800" b="1" dirty="0"/>
+          </a:p>
+        </p:txBody>
+      </p:sp>
+      <p:sp>
+        <p:nvSpPr>
+          <p:cNvPr id="7" name="AutoShape 2794"/>
+          <p:cNvSpPr>
+            <a:spLocks noChangeArrowheads="1"/>
+          </p:cNvSpPr>
+          <p:nvPr/>
+        </p:nvSpPr>
+        <p:spPr bwMode="auto">
+          <a:xfrm>
+            <a:off x="0" y="1384814"/>
+            <a:ext cx="4257206" cy="666749"/>
+          </a:xfrm>
+          <a:prstGeom prst="chevron">
+            <a:avLst>
+              <a:gd name="adj" fmla="val 32173"/>
+            </a:avLst>
+          </a:prstGeom>
+          <a:solidFill>
+            <a:srgbClr val="009FDB"/>
+          </a:solidFill>
+          <a:ln w="9525">
+            <a:noFill/>
+            <a:miter lim="800000"/>
+            <a:headEnd/>
+            <a:tailEnd/>
+          </a:ln>
+          <a:effectLst/>
+        </p:spPr>
+        <p:txBody>
+          <a:bodyPr wrap="none" anchor="ctr"/>
+          <a:lstStyle/>
+          <a:p>
+            <a:r>
+              <a:rPr lang="en-US" altLang="zh-CN" sz="2400" b="1" dirty="0" smtClean="0">
+                <a:solidFill>
+                  <a:srgbClr val="FFFFFF"/>
+                </a:solidFill>
+              </a:rPr>
+              <a:t>3.2 </a:t>
+            </a:r>
+            <a:r>
+              <a:rPr lang="zh-CN" altLang="en-US" sz="2400" b="1" dirty="0" smtClean="0">
+                <a:solidFill>
+                  <a:srgbClr val="FFFFFF"/>
+                </a:solidFill>
+              </a:rPr>
+              <a:t>系统需求分析</a:t>
+            </a:r>
+            <a:endParaRPr lang="zh-CN" altLang="zh-CN" sz="2400" b="1" dirty="0" smtClean="0">
+              <a:solidFill>
+                <a:srgbClr val="FFFFFF"/>
+              </a:solidFill>
+            </a:endParaRPr>
+          </a:p>
+        </p:txBody>
+      </p:sp>
+      <p:pic>
+        <p:nvPicPr>
+          <p:cNvPr id="8" name="图片 7"/>
+          <p:cNvPicPr>
+            <a:picLocks noChangeAspect="1"/>
+          </p:cNvPicPr>
+          <p:nvPr/>
+        </p:nvPicPr>
+        <p:blipFill>
+          <a:blip r:embed="rId3"/>
+          <a:stretch>
+            <a:fillRect/>
+          </a:stretch>
+        </p:blipFill>
+        <p:spPr>
+          <a:xfrm>
+            <a:off x="538104" y="2442719"/>
+            <a:ext cx="11058146" cy="3971776"/>
+          </a:xfrm>
+          <a:prstGeom prst="rect">
+            <a:avLst/>
+          </a:prstGeom>
+        </p:spPr>
+      </p:pic>
+    </p:spTree>
+    <p:extLst>
+      <p:ext uri="{BB962C8B-B14F-4D97-AF65-F5344CB8AC3E}">
+        <p14:creationId xmlns:p14="http://schemas.microsoft.com/office/powerpoint/2010/main" val="2553864224"/>
+      </p:ext>
+    </p:extLst>
+  </p:cSld>
+  <p:clrMapOvr>
+    <a:masterClrMapping/>
+  </p:clrMapOvr>
+  <p:timing>
+    <p:tnLst>
+      <p:par>
+        <p:cTn id="1" dur="indefinite" restart="never" nodeType="tmRoot"/>
+      </p:par>
+    </p:tnLst>
+  </p:timing>
+</p:sld>
+</file>
+
+<file path=ppt/slides/slide11.xml><?xml version="1.0" encoding="utf-8"?>
+<p:sld xmlns:a="http://schemas.openxmlformats.org/drawingml/2006/main" xmlns:r="http://schemas.openxmlformats.org/officeDocument/2006/relationships" xmlns:p="http://schemas.openxmlformats.org/presentationml/2006/main">
+  <p:cSld>
+    <p:spTree>
+      <p:nvGrpSpPr>
+        <p:cNvPr id="1" name=""/>
+        <p:cNvGrpSpPr/>
+        <p:nvPr/>
+      </p:nvGrpSpPr>
+      <p:grpSpPr>
+        <a:xfrm>
+          <a:off x="0" y="0"/>
+          <a:ext cx="0" cy="0"/>
+          <a:chOff x="0" y="0"/>
+          <a:chExt cx="0" cy="0"/>
+        </a:xfrm>
+      </p:grpSpPr>
+      <p:pic>
+        <p:nvPicPr>
+          <p:cNvPr id="5" name="图片 4"/>
+          <p:cNvPicPr>
+            <a:picLocks noChangeAspect="1"/>
+          </p:cNvPicPr>
+          <p:nvPr/>
+        </p:nvPicPr>
+        <p:blipFill rotWithShape="1">
+          <a:blip r:embed="rId2">
+            <a:extLst>
+              <a:ext uri="{28A0092B-C50C-407E-A947-70E740481C1C}">
+                <a14:useLocalDpi xmlns:a14="http://schemas.microsoft.com/office/drawing/2010/main" val="0"/>
+              </a:ext>
+            </a:extLst>
+          </a:blip>
+          <a:srcRect l="81698"/>
+          <a:stretch/>
+        </p:blipFill>
+        <p:spPr>
+          <a:xfrm>
+            <a:off x="0" y="0"/>
+            <a:ext cx="12191999" cy="1007512"/>
+          </a:xfrm>
+          <a:prstGeom prst="rect">
+            <a:avLst/>
+          </a:prstGeom>
+        </p:spPr>
+      </p:pic>
+      <p:pic>
+        <p:nvPicPr>
+          <p:cNvPr id="4" name="图片 3"/>
+          <p:cNvPicPr>
+            <a:picLocks noChangeAspect="1"/>
+          </p:cNvPicPr>
+          <p:nvPr/>
+        </p:nvPicPr>
+        <p:blipFill>
+          <a:blip r:embed="rId2">
+            <a:extLst>
+              <a:ext uri="{28A0092B-C50C-407E-A947-70E740481C1C}">
+                <a14:useLocalDpi xmlns:a14="http://schemas.microsoft.com/office/drawing/2010/main" val="0"/>
+              </a:ext>
+            </a:extLst>
+          </a:blip>
+          <a:stretch>
+            <a:fillRect/>
+          </a:stretch>
+        </p:blipFill>
+        <p:spPr>
+          <a:xfrm>
+            <a:off x="0" y="0"/>
+            <a:ext cx="4062549" cy="997216"/>
+          </a:xfrm>
+          <a:prstGeom prst="rect">
+            <a:avLst/>
+          </a:prstGeom>
+        </p:spPr>
+      </p:pic>
+      <p:sp>
+        <p:nvSpPr>
+          <p:cNvPr id="17" name="AutoShape 2794"/>
+          <p:cNvSpPr>
+            <a:spLocks noChangeArrowheads="1"/>
+          </p:cNvSpPr>
+          <p:nvPr/>
+        </p:nvSpPr>
+        <p:spPr bwMode="auto">
+          <a:xfrm>
+            <a:off x="7975600" y="330467"/>
+            <a:ext cx="4216399" cy="666749"/>
+          </a:xfrm>
+          <a:prstGeom prst="chevron">
+            <a:avLst>
+              <a:gd name="adj" fmla="val 32173"/>
+            </a:avLst>
+          </a:prstGeom>
+          <a:solidFill>
+            <a:srgbClr val="009FDB"/>
+          </a:solidFill>
+          <a:ln w="9525">
+            <a:noFill/>
+            <a:miter lim="800000"/>
+            <a:headEnd/>
+            <a:tailEnd/>
+          </a:ln>
+          <a:effectLst/>
+        </p:spPr>
+        <p:txBody>
+          <a:bodyPr wrap="none" anchor="ctr"/>
+          <a:lstStyle/>
+          <a:p>
+            <a:pPr algn="ctr"/>
+            <a:r>
+              <a:rPr lang="zh-CN" altLang="zh-CN" sz="1600" b="1" dirty="0" smtClean="0">
+                <a:solidFill>
+                  <a:srgbClr val="FFFFFF"/>
+                </a:solidFill>
+              </a:rPr>
+              <a:t>基于</a:t>
+            </a:r>
+            <a:r>
+              <a:rPr lang="en-US" altLang="zh-CN" sz="1600" b="1" dirty="0" smtClean="0">
+                <a:solidFill>
+                  <a:srgbClr val="FFFFFF"/>
+                </a:solidFill>
+              </a:rPr>
+              <a:t>B/S</a:t>
+            </a:r>
+            <a:r>
+              <a:rPr lang="zh-CN" altLang="zh-CN" sz="1600" b="1" dirty="0" smtClean="0">
+                <a:solidFill>
+                  <a:srgbClr val="FFFFFF"/>
+                </a:solidFill>
+              </a:rPr>
+              <a:t>模式的</a:t>
+            </a:r>
+            <a:r>
+              <a:rPr lang="en-US" altLang="zh-CN" sz="1600" b="1" dirty="0" smtClean="0">
+                <a:solidFill>
+                  <a:srgbClr val="FFFFFF"/>
+                </a:solidFill>
+              </a:rPr>
+              <a:t>Java</a:t>
+            </a:r>
+            <a:r>
+              <a:rPr lang="zh-CN" altLang="zh-CN" sz="1600" b="1" dirty="0" smtClean="0">
+                <a:solidFill>
+                  <a:srgbClr val="FFFFFF"/>
+                </a:solidFill>
+              </a:rPr>
+              <a:t>编程知识在线测试系统</a:t>
+            </a:r>
+            <a:endParaRPr lang="zh-CN" altLang="zh-CN" sz="1600" b="1" dirty="0">
+              <a:solidFill>
+                <a:srgbClr val="FFFFFF"/>
+              </a:solidFill>
+            </a:endParaRPr>
+          </a:p>
+        </p:txBody>
+      </p:sp>
+      <p:pic>
+        <p:nvPicPr>
+          <p:cNvPr id="19" name="图片 18"/>
+          <p:cNvPicPr>
+            <a:picLocks noChangeAspect="1"/>
+          </p:cNvPicPr>
+          <p:nvPr/>
+        </p:nvPicPr>
+        <p:blipFill rotWithShape="1">
+          <a:blip r:embed="rId2">
+            <a:extLst>
+              <a:ext uri="{28A0092B-C50C-407E-A947-70E740481C1C}">
+                <a14:useLocalDpi xmlns:a14="http://schemas.microsoft.com/office/drawing/2010/main" val="0"/>
+              </a:ext>
+            </a:extLst>
+          </a:blip>
+          <a:srcRect l="81698"/>
+          <a:stretch/>
+        </p:blipFill>
+        <p:spPr>
+          <a:xfrm>
+            <a:off x="1" y="6663595"/>
+            <a:ext cx="12191999" cy="84774"/>
+          </a:xfrm>
+          <a:prstGeom prst="rect">
+            <a:avLst/>
+          </a:prstGeom>
+        </p:spPr>
+      </p:pic>
+      <p:sp>
+        <p:nvSpPr>
+          <p:cNvPr id="2" name="矩形 1"/>
+          <p:cNvSpPr/>
+          <p:nvPr/>
+        </p:nvSpPr>
+        <p:spPr>
+          <a:xfrm>
+            <a:off x="622336" y="2264197"/>
+            <a:ext cx="2082621" cy="523220"/>
+          </a:xfrm>
+          <a:prstGeom prst="rect">
+            <a:avLst/>
+          </a:prstGeom>
+        </p:spPr>
+        <p:txBody>
+          <a:bodyPr wrap="none">
+            <a:spAutoFit/>
+          </a:bodyPr>
+          <a:lstStyle/>
+          <a:p>
+            <a:pPr marL="457200" indent="-457200" algn="ctr">
+              <a:buFont typeface="Arial" panose="020B0604020202020204" pitchFamily="34" charset="0"/>
+              <a:buChar char="•"/>
+            </a:pPr>
+            <a:r>
+              <a:rPr lang="zh-CN" altLang="en-US" sz="2800" b="1" dirty="0" smtClean="0"/>
+              <a:t>系统结构</a:t>
+            </a:r>
+            <a:endParaRPr lang="zh-CN" altLang="zh-CN" sz="2800" b="1" dirty="0"/>
+          </a:p>
+        </p:txBody>
+      </p:sp>
+      <p:sp>
+        <p:nvSpPr>
+          <p:cNvPr id="7" name="AutoShape 2794"/>
+          <p:cNvSpPr>
+            <a:spLocks noChangeArrowheads="1"/>
+          </p:cNvSpPr>
+          <p:nvPr/>
+        </p:nvSpPr>
+        <p:spPr bwMode="auto">
+          <a:xfrm>
+            <a:off x="0" y="1384814"/>
+            <a:ext cx="4257206" cy="666749"/>
+          </a:xfrm>
+          <a:prstGeom prst="chevron">
+            <a:avLst>
+              <a:gd name="adj" fmla="val 32173"/>
+            </a:avLst>
+          </a:prstGeom>
+          <a:solidFill>
+            <a:srgbClr val="009FDB"/>
+          </a:solidFill>
+          <a:ln w="9525">
+            <a:noFill/>
+            <a:miter lim="800000"/>
+            <a:headEnd/>
+            <a:tailEnd/>
+          </a:ln>
+          <a:effectLst/>
+        </p:spPr>
+        <p:txBody>
+          <a:bodyPr wrap="none" anchor="ctr"/>
+          <a:lstStyle/>
+          <a:p>
+            <a:r>
+              <a:rPr lang="en-US" altLang="zh-CN" sz="2400" b="1" dirty="0" smtClean="0">
+                <a:solidFill>
+                  <a:srgbClr val="FFFFFF"/>
+                </a:solidFill>
+              </a:rPr>
+              <a:t>3.3 </a:t>
+            </a:r>
+            <a:r>
+              <a:rPr lang="zh-CN" altLang="en-US" sz="2400" b="1" dirty="0" smtClean="0">
+                <a:solidFill>
+                  <a:srgbClr val="FFFFFF"/>
+                </a:solidFill>
+              </a:rPr>
+              <a:t>系统总体结构设计</a:t>
+            </a:r>
+            <a:endParaRPr lang="zh-CN" altLang="zh-CN" sz="2400" b="1" dirty="0" smtClean="0">
+              <a:solidFill>
+                <a:srgbClr val="FFFFFF"/>
+              </a:solidFill>
+            </a:endParaRPr>
+          </a:p>
+        </p:txBody>
+      </p:sp>
+      <p:pic>
+        <p:nvPicPr>
+          <p:cNvPr id="3" name="图片 2"/>
+          <p:cNvPicPr>
+            <a:picLocks noChangeAspect="1"/>
+          </p:cNvPicPr>
+          <p:nvPr/>
+        </p:nvPicPr>
+        <p:blipFill>
+          <a:blip r:embed="rId3"/>
+          <a:stretch>
+            <a:fillRect/>
+          </a:stretch>
+        </p:blipFill>
+        <p:spPr>
+          <a:xfrm>
+            <a:off x="219788" y="3260368"/>
+            <a:ext cx="3714905" cy="3141082"/>
+          </a:xfrm>
+          <a:prstGeom prst="rect">
+            <a:avLst/>
+          </a:prstGeom>
+        </p:spPr>
+      </p:pic>
+      <p:sp>
+        <p:nvSpPr>
+          <p:cNvPr id="6" name="文本框 5"/>
+          <p:cNvSpPr txBox="1"/>
+          <p:nvPr/>
+        </p:nvSpPr>
+        <p:spPr>
+          <a:xfrm>
+            <a:off x="1537855" y="2891036"/>
+            <a:ext cx="1107996" cy="369332"/>
+          </a:xfrm>
+          <a:prstGeom prst="rect">
+            <a:avLst/>
+          </a:prstGeom>
+          <a:noFill/>
+        </p:spPr>
+        <p:txBody>
+          <a:bodyPr wrap="none" rtlCol="0">
+            <a:spAutoFit/>
+          </a:bodyPr>
+          <a:lstStyle/>
+          <a:p>
+            <a:r>
+              <a:rPr lang="zh-CN" altLang="en-US" dirty="0" smtClean="0"/>
+              <a:t>第一阶段</a:t>
+            </a:r>
+            <a:endParaRPr lang="zh-CN" altLang="en-US" dirty="0"/>
+          </a:p>
+        </p:txBody>
+      </p:sp>
+      <p:sp>
+        <p:nvSpPr>
+          <p:cNvPr id="11" name="文本框 10"/>
+          <p:cNvSpPr txBox="1"/>
+          <p:nvPr/>
+        </p:nvSpPr>
+        <p:spPr>
+          <a:xfrm>
+            <a:off x="5256829" y="2891036"/>
+            <a:ext cx="1107996" cy="369332"/>
+          </a:xfrm>
+          <a:prstGeom prst="rect">
+            <a:avLst/>
+          </a:prstGeom>
+          <a:noFill/>
+        </p:spPr>
+        <p:txBody>
+          <a:bodyPr wrap="none" rtlCol="0">
+            <a:spAutoFit/>
+          </a:bodyPr>
+          <a:lstStyle/>
+          <a:p>
+            <a:r>
+              <a:rPr lang="zh-CN" altLang="en-US" dirty="0" smtClean="0"/>
+              <a:t>第二阶段</a:t>
+            </a:r>
+            <a:endParaRPr lang="zh-CN" altLang="en-US" dirty="0"/>
+          </a:p>
+        </p:txBody>
+      </p:sp>
+      <p:sp>
+        <p:nvSpPr>
+          <p:cNvPr id="12" name="文本框 11"/>
+          <p:cNvSpPr txBox="1"/>
+          <p:nvPr/>
+        </p:nvSpPr>
+        <p:spPr>
+          <a:xfrm>
+            <a:off x="8975803" y="2891036"/>
+            <a:ext cx="1107996" cy="369332"/>
+          </a:xfrm>
+          <a:prstGeom prst="rect">
+            <a:avLst/>
+          </a:prstGeom>
+          <a:noFill/>
+        </p:spPr>
+        <p:txBody>
+          <a:bodyPr wrap="none" rtlCol="0">
+            <a:spAutoFit/>
+          </a:bodyPr>
+          <a:lstStyle/>
+          <a:p>
+            <a:r>
+              <a:rPr lang="zh-CN" altLang="en-US" dirty="0" smtClean="0"/>
+              <a:t>第三阶段</a:t>
+            </a:r>
+            <a:endParaRPr lang="zh-CN" altLang="en-US" dirty="0"/>
+          </a:p>
+        </p:txBody>
+      </p:sp>
+      <p:pic>
+        <p:nvPicPr>
+          <p:cNvPr id="9" name="图片 8"/>
+          <p:cNvPicPr>
+            <a:picLocks noChangeAspect="1"/>
+          </p:cNvPicPr>
+          <p:nvPr/>
+        </p:nvPicPr>
+        <p:blipFill>
+          <a:blip r:embed="rId4"/>
+          <a:stretch>
+            <a:fillRect/>
+          </a:stretch>
+        </p:blipFill>
+        <p:spPr>
+          <a:xfrm>
+            <a:off x="4112905" y="3260368"/>
+            <a:ext cx="3604082" cy="3141082"/>
+          </a:xfrm>
+          <a:prstGeom prst="rect">
+            <a:avLst/>
+          </a:prstGeom>
+        </p:spPr>
+      </p:pic>
+      <p:pic>
+        <p:nvPicPr>
+          <p:cNvPr id="10" name="图片 9"/>
+          <p:cNvPicPr>
+            <a:picLocks noChangeAspect="1"/>
+          </p:cNvPicPr>
+          <p:nvPr/>
+        </p:nvPicPr>
+        <p:blipFill>
+          <a:blip r:embed="rId5"/>
+          <a:stretch>
+            <a:fillRect/>
+          </a:stretch>
+        </p:blipFill>
+        <p:spPr>
+          <a:xfrm>
+            <a:off x="7895198" y="3260368"/>
+            <a:ext cx="4088988" cy="3141082"/>
+          </a:xfrm>
+          <a:prstGeom prst="rect">
+            <a:avLst/>
+          </a:prstGeom>
+        </p:spPr>
+      </p:pic>
+    </p:spTree>
+    <p:extLst>
+      <p:ext uri="{BB962C8B-B14F-4D97-AF65-F5344CB8AC3E}">
+        <p14:creationId xmlns:p14="http://schemas.microsoft.com/office/powerpoint/2010/main" val="872934675"/>
+      </p:ext>
+    </p:extLst>
+  </p:cSld>
+  <p:clrMapOvr>
+    <a:masterClrMapping/>
+  </p:clrMapOvr>
+  <p:timing>
+    <p:tnLst>
+      <p:par>
+        <p:cTn id="1" dur="indefinite" restart="never" nodeType="tmRoot"/>
+      </p:par>
+    </p:tnLst>
+  </p:timing>
+</p:sld>
+</file>
+
+<file path=ppt/slides/slide12.xml><?xml version="1.0" encoding="utf-8"?>
+<p:sld xmlns:a="http://schemas.openxmlformats.org/drawingml/2006/main" xmlns:r="http://schemas.openxmlformats.org/officeDocument/2006/relationships" xmlns:p="http://schemas.openxmlformats.org/presentationml/2006/main">
+  <p:cSld>
+    <p:spTree>
+      <p:nvGrpSpPr>
+        <p:cNvPr id="1" name=""/>
+        <p:cNvGrpSpPr/>
+        <p:nvPr/>
+      </p:nvGrpSpPr>
+      <p:grpSpPr>
+        <a:xfrm>
+          <a:off x="0" y="0"/>
+          <a:ext cx="0" cy="0"/>
+          <a:chOff x="0" y="0"/>
+          <a:chExt cx="0" cy="0"/>
+        </a:xfrm>
+      </p:grpSpPr>
+      <p:pic>
+        <p:nvPicPr>
+          <p:cNvPr id="5" name="图片 4"/>
+          <p:cNvPicPr>
+            <a:picLocks noChangeAspect="1"/>
+          </p:cNvPicPr>
+          <p:nvPr/>
+        </p:nvPicPr>
+        <p:blipFill rotWithShape="1">
+          <a:blip r:embed="rId2">
+            <a:extLst>
+              <a:ext uri="{28A0092B-C50C-407E-A947-70E740481C1C}">
+                <a14:useLocalDpi xmlns:a14="http://schemas.microsoft.com/office/drawing/2010/main" val="0"/>
+              </a:ext>
+            </a:extLst>
+          </a:blip>
+          <a:srcRect l="81698"/>
+          <a:stretch/>
+        </p:blipFill>
+        <p:spPr>
+          <a:xfrm>
+            <a:off x="0" y="0"/>
+            <a:ext cx="12191999" cy="1007512"/>
+          </a:xfrm>
+          <a:prstGeom prst="rect">
+            <a:avLst/>
+          </a:prstGeom>
+        </p:spPr>
+      </p:pic>
+      <p:pic>
+        <p:nvPicPr>
+          <p:cNvPr id="4" name="图片 3"/>
+          <p:cNvPicPr>
+            <a:picLocks noChangeAspect="1"/>
+          </p:cNvPicPr>
+          <p:nvPr/>
+        </p:nvPicPr>
+        <p:blipFill>
+          <a:blip r:embed="rId2">
+            <a:extLst>
+              <a:ext uri="{28A0092B-C50C-407E-A947-70E740481C1C}">
+                <a14:useLocalDpi xmlns:a14="http://schemas.microsoft.com/office/drawing/2010/main" val="0"/>
+              </a:ext>
+            </a:extLst>
+          </a:blip>
+          <a:stretch>
+            <a:fillRect/>
+          </a:stretch>
+        </p:blipFill>
+        <p:spPr>
+          <a:xfrm>
+            <a:off x="0" y="0"/>
+            <a:ext cx="4062549" cy="997216"/>
+          </a:xfrm>
+          <a:prstGeom prst="rect">
+            <a:avLst/>
+          </a:prstGeom>
+        </p:spPr>
+      </p:pic>
+      <p:sp>
+        <p:nvSpPr>
+          <p:cNvPr id="17" name="AutoShape 2794"/>
+          <p:cNvSpPr>
+            <a:spLocks noChangeArrowheads="1"/>
+          </p:cNvSpPr>
+          <p:nvPr/>
+        </p:nvSpPr>
+        <p:spPr bwMode="auto">
+          <a:xfrm>
+            <a:off x="7975600" y="330467"/>
+            <a:ext cx="4216399" cy="666749"/>
+          </a:xfrm>
+          <a:prstGeom prst="chevron">
+            <a:avLst>
+              <a:gd name="adj" fmla="val 32173"/>
+            </a:avLst>
+          </a:prstGeom>
+          <a:solidFill>
+            <a:srgbClr val="009FDB"/>
+          </a:solidFill>
+          <a:ln w="9525">
+            <a:noFill/>
+            <a:miter lim="800000"/>
+            <a:headEnd/>
+            <a:tailEnd/>
+          </a:ln>
+          <a:effectLst/>
+        </p:spPr>
+        <p:txBody>
+          <a:bodyPr wrap="none" anchor="ctr"/>
+          <a:lstStyle/>
+          <a:p>
+            <a:pPr algn="ctr"/>
+            <a:r>
+              <a:rPr lang="zh-CN" altLang="zh-CN" sz="1600" b="1" dirty="0" smtClean="0">
+                <a:solidFill>
+                  <a:srgbClr val="FFFFFF"/>
+                </a:solidFill>
+              </a:rPr>
+              <a:t>基于</a:t>
+            </a:r>
+            <a:r>
+              <a:rPr lang="en-US" altLang="zh-CN" sz="1600" b="1" dirty="0" smtClean="0">
+                <a:solidFill>
+                  <a:srgbClr val="FFFFFF"/>
+                </a:solidFill>
+              </a:rPr>
+              <a:t>B/S</a:t>
+            </a:r>
+            <a:r>
+              <a:rPr lang="zh-CN" altLang="zh-CN" sz="1600" b="1" dirty="0" smtClean="0">
+                <a:solidFill>
+                  <a:srgbClr val="FFFFFF"/>
+                </a:solidFill>
+              </a:rPr>
+              <a:t>模式的</a:t>
+            </a:r>
+            <a:r>
+              <a:rPr lang="en-US" altLang="zh-CN" sz="1600" b="1" dirty="0" smtClean="0">
+                <a:solidFill>
+                  <a:srgbClr val="FFFFFF"/>
+                </a:solidFill>
+              </a:rPr>
+              <a:t>Java</a:t>
+            </a:r>
+            <a:r>
+              <a:rPr lang="zh-CN" altLang="zh-CN" sz="1600" b="1" dirty="0" smtClean="0">
+                <a:solidFill>
+                  <a:srgbClr val="FFFFFF"/>
+                </a:solidFill>
+              </a:rPr>
+              <a:t>编程知识在线测试系统</a:t>
+            </a:r>
+            <a:endParaRPr lang="zh-CN" altLang="zh-CN" sz="1600" b="1" dirty="0">
+              <a:solidFill>
+                <a:srgbClr val="FFFFFF"/>
+              </a:solidFill>
+            </a:endParaRPr>
+          </a:p>
+        </p:txBody>
+      </p:sp>
+      <p:pic>
+        <p:nvPicPr>
+          <p:cNvPr id="19" name="图片 18"/>
+          <p:cNvPicPr>
+            <a:picLocks noChangeAspect="1"/>
+          </p:cNvPicPr>
+          <p:nvPr/>
+        </p:nvPicPr>
+        <p:blipFill rotWithShape="1">
+          <a:blip r:embed="rId2">
+            <a:extLst>
+              <a:ext uri="{28A0092B-C50C-407E-A947-70E740481C1C}">
+                <a14:useLocalDpi xmlns:a14="http://schemas.microsoft.com/office/drawing/2010/main" val="0"/>
+              </a:ext>
+            </a:extLst>
+          </a:blip>
+          <a:srcRect l="81698"/>
+          <a:stretch/>
+        </p:blipFill>
+        <p:spPr>
+          <a:xfrm>
+            <a:off x="1" y="6663595"/>
+            <a:ext cx="12191999" cy="84774"/>
+          </a:xfrm>
+          <a:prstGeom prst="rect">
+            <a:avLst/>
+          </a:prstGeom>
+        </p:spPr>
+      </p:pic>
+      <p:sp>
+        <p:nvSpPr>
+          <p:cNvPr id="7" name="AutoShape 2794"/>
+          <p:cNvSpPr>
+            <a:spLocks noChangeArrowheads="1"/>
+          </p:cNvSpPr>
+          <p:nvPr/>
+        </p:nvSpPr>
+        <p:spPr bwMode="auto">
+          <a:xfrm>
+            <a:off x="0" y="1384814"/>
+            <a:ext cx="4257206" cy="666749"/>
+          </a:xfrm>
+          <a:prstGeom prst="chevron">
+            <a:avLst>
+              <a:gd name="adj" fmla="val 32173"/>
+            </a:avLst>
+          </a:prstGeom>
+          <a:solidFill>
+            <a:srgbClr val="009FDB"/>
+          </a:solidFill>
+          <a:ln w="9525">
+            <a:noFill/>
+            <a:miter lim="800000"/>
+            <a:headEnd/>
+            <a:tailEnd/>
+          </a:ln>
+          <a:effectLst/>
+        </p:spPr>
+        <p:txBody>
+          <a:bodyPr wrap="none" anchor="ctr"/>
+          <a:lstStyle/>
+          <a:p>
+            <a:r>
+              <a:rPr lang="en-US" altLang="zh-CN" sz="2400" b="1" dirty="0" smtClean="0">
+                <a:solidFill>
+                  <a:srgbClr val="FFFFFF"/>
+                </a:solidFill>
+              </a:rPr>
+              <a:t>3.4 </a:t>
+            </a:r>
+            <a:r>
+              <a:rPr lang="zh-CN" altLang="en-US" sz="2400" b="1" dirty="0" smtClean="0">
+                <a:solidFill>
+                  <a:srgbClr val="FFFFFF"/>
+                </a:solidFill>
+              </a:rPr>
+              <a:t>系统后台实现</a:t>
+            </a:r>
+            <a:endParaRPr lang="zh-CN" altLang="zh-CN" sz="2400" b="1" dirty="0" smtClean="0">
+              <a:solidFill>
+                <a:srgbClr val="FFFFFF"/>
+              </a:solidFill>
+            </a:endParaRPr>
+          </a:p>
+        </p:txBody>
+      </p:sp>
+    </p:spTree>
+    <p:extLst>
+      <p:ext uri="{BB962C8B-B14F-4D97-AF65-F5344CB8AC3E}">
+        <p14:creationId xmlns:p14="http://schemas.microsoft.com/office/powerpoint/2010/main" val="1246029092"/>
+      </p:ext>
+    </p:extLst>
+  </p:cSld>
+  <p:clrMapOvr>
+    <a:masterClrMapping/>
+  </p:clrMapOvr>
+  <p:timing>
+    <p:tnLst>
+      <p:par>
+        <p:cTn id="1" dur="indefinite" restart="never" nodeType="tmRoot"/>
+      </p:par>
+    </p:tnLst>
+  </p:timing>
+</p:sld>
+</file>
+
+<file path=ppt/slides/slide13.xml><?xml version="1.0" encoding="utf-8"?>
+<p:sld xmlns:a="http://schemas.openxmlformats.org/drawingml/2006/main" xmlns:r="http://schemas.openxmlformats.org/officeDocument/2006/relationships" xmlns:p="http://schemas.openxmlformats.org/presentationml/2006/main">
+  <p:cSld>
+    <p:spTree>
+      <p:nvGrpSpPr>
+        <p:cNvPr id="1" name=""/>
+        <p:cNvGrpSpPr/>
+        <p:nvPr/>
+      </p:nvGrpSpPr>
+      <p:grpSpPr>
+        <a:xfrm>
+          <a:off x="0" y="0"/>
+          <a:ext cx="0" cy="0"/>
+          <a:chOff x="0" y="0"/>
+          <a:chExt cx="0" cy="0"/>
+        </a:xfrm>
+      </p:grpSpPr>
+      <p:pic>
+        <p:nvPicPr>
+          <p:cNvPr id="5" name="图片 4"/>
+          <p:cNvPicPr>
+            <a:picLocks noChangeAspect="1"/>
+          </p:cNvPicPr>
+          <p:nvPr/>
+        </p:nvPicPr>
+        <p:blipFill rotWithShape="1">
+          <a:blip r:embed="rId2">
+            <a:extLst>
+              <a:ext uri="{28A0092B-C50C-407E-A947-70E740481C1C}">
+                <a14:useLocalDpi xmlns:a14="http://schemas.microsoft.com/office/drawing/2010/main" val="0"/>
+              </a:ext>
+            </a:extLst>
+          </a:blip>
+          <a:srcRect l="81698"/>
+          <a:stretch/>
+        </p:blipFill>
+        <p:spPr>
+          <a:xfrm>
+            <a:off x="0" y="0"/>
+            <a:ext cx="12191999" cy="1007512"/>
+          </a:xfrm>
+          <a:prstGeom prst="rect">
+            <a:avLst/>
+          </a:prstGeom>
+        </p:spPr>
+      </p:pic>
+      <p:pic>
+        <p:nvPicPr>
+          <p:cNvPr id="4" name="图片 3"/>
+          <p:cNvPicPr>
+            <a:picLocks noChangeAspect="1"/>
+          </p:cNvPicPr>
+          <p:nvPr/>
+        </p:nvPicPr>
+        <p:blipFill>
+          <a:blip r:embed="rId2">
+            <a:extLst>
+              <a:ext uri="{28A0092B-C50C-407E-A947-70E740481C1C}">
+                <a14:useLocalDpi xmlns:a14="http://schemas.microsoft.com/office/drawing/2010/main" val="0"/>
+              </a:ext>
+            </a:extLst>
+          </a:blip>
+          <a:stretch>
+            <a:fillRect/>
+          </a:stretch>
+        </p:blipFill>
+        <p:spPr>
+          <a:xfrm>
+            <a:off x="0" y="0"/>
+            <a:ext cx="4062549" cy="997216"/>
+          </a:xfrm>
+          <a:prstGeom prst="rect">
+            <a:avLst/>
+          </a:prstGeom>
+        </p:spPr>
+      </p:pic>
+      <p:sp>
+        <p:nvSpPr>
+          <p:cNvPr id="17" name="AutoShape 2794"/>
+          <p:cNvSpPr>
+            <a:spLocks noChangeArrowheads="1"/>
+          </p:cNvSpPr>
+          <p:nvPr/>
+        </p:nvSpPr>
+        <p:spPr bwMode="auto">
+          <a:xfrm>
+            <a:off x="7975600" y="330467"/>
+            <a:ext cx="4216399" cy="666749"/>
+          </a:xfrm>
+          <a:prstGeom prst="chevron">
+            <a:avLst>
+              <a:gd name="adj" fmla="val 32173"/>
+            </a:avLst>
+          </a:prstGeom>
+          <a:solidFill>
+            <a:srgbClr val="009FDB"/>
+          </a:solidFill>
+          <a:ln w="9525">
+            <a:noFill/>
+            <a:miter lim="800000"/>
+            <a:headEnd/>
+            <a:tailEnd/>
+          </a:ln>
+          <a:effectLst/>
+        </p:spPr>
+        <p:txBody>
+          <a:bodyPr wrap="none" anchor="ctr"/>
+          <a:lstStyle/>
+          <a:p>
+            <a:pPr algn="ctr"/>
+            <a:r>
+              <a:rPr lang="zh-CN" altLang="zh-CN" sz="1600" b="1" dirty="0" smtClean="0">
+                <a:solidFill>
+                  <a:srgbClr val="FFFFFF"/>
+                </a:solidFill>
+              </a:rPr>
+              <a:t>基于</a:t>
+            </a:r>
+            <a:r>
+              <a:rPr lang="en-US" altLang="zh-CN" sz="1600" b="1" dirty="0" smtClean="0">
+                <a:solidFill>
+                  <a:srgbClr val="FFFFFF"/>
+                </a:solidFill>
+              </a:rPr>
+              <a:t>B/S</a:t>
+            </a:r>
+            <a:r>
+              <a:rPr lang="zh-CN" altLang="zh-CN" sz="1600" b="1" dirty="0" smtClean="0">
+                <a:solidFill>
+                  <a:srgbClr val="FFFFFF"/>
+                </a:solidFill>
+              </a:rPr>
+              <a:t>模式的</a:t>
+            </a:r>
+            <a:r>
+              <a:rPr lang="en-US" altLang="zh-CN" sz="1600" b="1" dirty="0" smtClean="0">
+                <a:solidFill>
+                  <a:srgbClr val="FFFFFF"/>
+                </a:solidFill>
+              </a:rPr>
+              <a:t>Java</a:t>
+            </a:r>
+            <a:r>
+              <a:rPr lang="zh-CN" altLang="zh-CN" sz="1600" b="1" dirty="0" smtClean="0">
+                <a:solidFill>
+                  <a:srgbClr val="FFFFFF"/>
+                </a:solidFill>
+              </a:rPr>
+              <a:t>编程知识在线测试系统</a:t>
+            </a:r>
+            <a:endParaRPr lang="zh-CN" altLang="zh-CN" sz="1600" b="1" dirty="0">
+              <a:solidFill>
+                <a:srgbClr val="FFFFFF"/>
+              </a:solidFill>
+            </a:endParaRPr>
+          </a:p>
+        </p:txBody>
+      </p:sp>
+      <p:pic>
+        <p:nvPicPr>
+          <p:cNvPr id="19" name="图片 18"/>
+          <p:cNvPicPr>
+            <a:picLocks noChangeAspect="1"/>
+          </p:cNvPicPr>
+          <p:nvPr/>
+        </p:nvPicPr>
+        <p:blipFill rotWithShape="1">
+          <a:blip r:embed="rId2">
+            <a:extLst>
+              <a:ext uri="{28A0092B-C50C-407E-A947-70E740481C1C}">
+                <a14:useLocalDpi xmlns:a14="http://schemas.microsoft.com/office/drawing/2010/main" val="0"/>
+              </a:ext>
+            </a:extLst>
+          </a:blip>
+          <a:srcRect l="81698"/>
+          <a:stretch/>
+        </p:blipFill>
+        <p:spPr>
+          <a:xfrm>
+            <a:off x="1" y="6663595"/>
+            <a:ext cx="12191999" cy="84774"/>
+          </a:xfrm>
+          <a:prstGeom prst="rect">
+            <a:avLst/>
+          </a:prstGeom>
+        </p:spPr>
+      </p:pic>
+      <p:sp>
+        <p:nvSpPr>
+          <p:cNvPr id="7" name="AutoShape 2794"/>
+          <p:cNvSpPr>
+            <a:spLocks noChangeArrowheads="1"/>
+          </p:cNvSpPr>
+          <p:nvPr/>
+        </p:nvSpPr>
+        <p:spPr bwMode="auto">
+          <a:xfrm>
+            <a:off x="0" y="1384814"/>
+            <a:ext cx="4257206" cy="666749"/>
+          </a:xfrm>
+          <a:prstGeom prst="chevron">
+            <a:avLst>
+              <a:gd name="adj" fmla="val 32173"/>
+            </a:avLst>
+          </a:prstGeom>
+          <a:solidFill>
+            <a:srgbClr val="009FDB"/>
+          </a:solidFill>
+          <a:ln w="9525">
+            <a:noFill/>
+            <a:miter lim="800000"/>
+            <a:headEnd/>
+            <a:tailEnd/>
+          </a:ln>
+          <a:effectLst/>
+        </p:spPr>
+        <p:txBody>
+          <a:bodyPr wrap="none" anchor="ctr"/>
+          <a:lstStyle/>
+          <a:p>
+            <a:r>
+              <a:rPr lang="en-US" altLang="zh-CN" sz="2400" b="1" dirty="0" smtClean="0">
+                <a:solidFill>
+                  <a:srgbClr val="FFFFFF"/>
+                </a:solidFill>
+              </a:rPr>
+              <a:t>3.5 </a:t>
+            </a:r>
+            <a:r>
+              <a:rPr lang="zh-CN" altLang="en-US" sz="2400" b="1" dirty="0" smtClean="0">
+                <a:solidFill>
+                  <a:srgbClr val="FFFFFF"/>
+                </a:solidFill>
+              </a:rPr>
+              <a:t>系统前台实现</a:t>
+            </a:r>
+            <a:endParaRPr lang="zh-CN" altLang="zh-CN" sz="2400" b="1" dirty="0" smtClean="0">
+              <a:solidFill>
+                <a:srgbClr val="FFFFFF"/>
+              </a:solidFill>
+            </a:endParaRPr>
+          </a:p>
+        </p:txBody>
+      </p:sp>
+    </p:spTree>
+    <p:extLst>
+      <p:ext uri="{BB962C8B-B14F-4D97-AF65-F5344CB8AC3E}">
+        <p14:creationId xmlns:p14="http://schemas.microsoft.com/office/powerpoint/2010/main" val="3419586632"/>
+      </p:ext>
+    </p:extLst>
+  </p:cSld>
+  <p:clrMapOvr>
+    <a:masterClrMapping/>
+  </p:clrMapOvr>
+  <p:timing>
+    <p:tnLst>
+      <p:par>
+        <p:cTn id="1" dur="indefinite" restart="never" nodeType="tmRoot"/>
+      </p:par>
+    </p:tnLst>
+  </p:timing>
+</p:sld>
+</file>
+
+<file path=ppt/slides/slide14.xml><?xml version="1.0" encoding="utf-8"?>
+<p:sld xmlns:a="http://schemas.openxmlformats.org/drawingml/2006/main" xmlns:r="http://schemas.openxmlformats.org/officeDocument/2006/relationships" xmlns:p="http://schemas.openxmlformats.org/presentationml/2006/main">
+  <p:cSld>
+    <p:spTree>
+      <p:nvGrpSpPr>
+        <p:cNvPr id="1" name=""/>
+        <p:cNvGrpSpPr/>
+        <p:nvPr/>
+      </p:nvGrpSpPr>
+      <p:grpSpPr>
+        <a:xfrm>
+          <a:off x="0" y="0"/>
+          <a:ext cx="0" cy="0"/>
+          <a:chOff x="0" y="0"/>
+          <a:chExt cx="0" cy="0"/>
+        </a:xfrm>
+      </p:grpSpPr>
+      <p:pic>
+        <p:nvPicPr>
+          <p:cNvPr id="5" name="图片 4"/>
+          <p:cNvPicPr>
+            <a:picLocks noChangeAspect="1"/>
+          </p:cNvPicPr>
+          <p:nvPr/>
+        </p:nvPicPr>
+        <p:blipFill rotWithShape="1">
+          <a:blip r:embed="rId2">
+            <a:extLst>
+              <a:ext uri="{28A0092B-C50C-407E-A947-70E740481C1C}">
+                <a14:useLocalDpi xmlns:a14="http://schemas.microsoft.com/office/drawing/2010/main" val="0"/>
+              </a:ext>
+            </a:extLst>
+          </a:blip>
+          <a:srcRect l="81698"/>
+          <a:stretch/>
+        </p:blipFill>
+        <p:spPr>
+          <a:xfrm>
+            <a:off x="0" y="0"/>
+            <a:ext cx="12191999" cy="1007512"/>
+          </a:xfrm>
+          <a:prstGeom prst="rect">
+            <a:avLst/>
+          </a:prstGeom>
+        </p:spPr>
+      </p:pic>
+      <p:pic>
+        <p:nvPicPr>
+          <p:cNvPr id="4" name="图片 3"/>
+          <p:cNvPicPr>
+            <a:picLocks noChangeAspect="1"/>
+          </p:cNvPicPr>
+          <p:nvPr/>
+        </p:nvPicPr>
+        <p:blipFill>
+          <a:blip r:embed="rId2">
+            <a:extLst>
+              <a:ext uri="{28A0092B-C50C-407E-A947-70E740481C1C}">
+                <a14:useLocalDpi xmlns:a14="http://schemas.microsoft.com/office/drawing/2010/main" val="0"/>
+              </a:ext>
+            </a:extLst>
+          </a:blip>
+          <a:stretch>
+            <a:fillRect/>
+          </a:stretch>
+        </p:blipFill>
+        <p:spPr>
+          <a:xfrm>
+            <a:off x="0" y="0"/>
+            <a:ext cx="4062549" cy="997216"/>
+          </a:xfrm>
+          <a:prstGeom prst="rect">
+            <a:avLst/>
+          </a:prstGeom>
+        </p:spPr>
+      </p:pic>
+      <p:sp>
+        <p:nvSpPr>
+          <p:cNvPr id="17" name="AutoShape 2794"/>
+          <p:cNvSpPr>
+            <a:spLocks noChangeArrowheads="1"/>
+          </p:cNvSpPr>
+          <p:nvPr/>
+        </p:nvSpPr>
+        <p:spPr bwMode="auto">
+          <a:xfrm>
+            <a:off x="7975600" y="330467"/>
+            <a:ext cx="4216399" cy="666749"/>
+          </a:xfrm>
+          <a:prstGeom prst="chevron">
+            <a:avLst>
+              <a:gd name="adj" fmla="val 32173"/>
+            </a:avLst>
+          </a:prstGeom>
+          <a:solidFill>
+            <a:srgbClr val="009FDB"/>
+          </a:solidFill>
+          <a:ln w="9525">
+            <a:noFill/>
+            <a:miter lim="800000"/>
+            <a:headEnd/>
+            <a:tailEnd/>
+          </a:ln>
+          <a:effectLst/>
+        </p:spPr>
+        <p:txBody>
+          <a:bodyPr wrap="none" anchor="ctr"/>
+          <a:lstStyle/>
+          <a:p>
+            <a:pPr algn="ctr"/>
+            <a:r>
+              <a:rPr lang="zh-CN" altLang="zh-CN" sz="1600" b="1" dirty="0" smtClean="0">
+                <a:solidFill>
+                  <a:srgbClr val="FFFFFF"/>
+                </a:solidFill>
+              </a:rPr>
+              <a:t>基于</a:t>
+            </a:r>
+            <a:r>
+              <a:rPr lang="en-US" altLang="zh-CN" sz="1600" b="1" dirty="0" smtClean="0">
+                <a:solidFill>
+                  <a:srgbClr val="FFFFFF"/>
+                </a:solidFill>
+              </a:rPr>
+              <a:t>B/S</a:t>
+            </a:r>
+            <a:r>
+              <a:rPr lang="zh-CN" altLang="zh-CN" sz="1600" b="1" dirty="0" smtClean="0">
+                <a:solidFill>
+                  <a:srgbClr val="FFFFFF"/>
+                </a:solidFill>
+              </a:rPr>
+              <a:t>模式的</a:t>
+            </a:r>
+            <a:r>
+              <a:rPr lang="en-US" altLang="zh-CN" sz="1600" b="1" dirty="0" smtClean="0">
+                <a:solidFill>
+                  <a:srgbClr val="FFFFFF"/>
+                </a:solidFill>
+              </a:rPr>
+              <a:t>Java</a:t>
+            </a:r>
+            <a:r>
+              <a:rPr lang="zh-CN" altLang="zh-CN" sz="1600" b="1" dirty="0" smtClean="0">
+                <a:solidFill>
+                  <a:srgbClr val="FFFFFF"/>
+                </a:solidFill>
+              </a:rPr>
+              <a:t>编程知识在线测试系统</a:t>
+            </a:r>
+            <a:endParaRPr lang="zh-CN" altLang="zh-CN" sz="1600" b="1" dirty="0">
+              <a:solidFill>
+                <a:srgbClr val="FFFFFF"/>
+              </a:solidFill>
+            </a:endParaRPr>
+          </a:p>
+        </p:txBody>
+      </p:sp>
+      <p:pic>
+        <p:nvPicPr>
+          <p:cNvPr id="19" name="图片 18"/>
+          <p:cNvPicPr>
+            <a:picLocks noChangeAspect="1"/>
+          </p:cNvPicPr>
+          <p:nvPr/>
+        </p:nvPicPr>
+        <p:blipFill rotWithShape="1">
+          <a:blip r:embed="rId2">
+            <a:extLst>
+              <a:ext uri="{28A0092B-C50C-407E-A947-70E740481C1C}">
+                <a14:useLocalDpi xmlns:a14="http://schemas.microsoft.com/office/drawing/2010/main" val="0"/>
+              </a:ext>
+            </a:extLst>
+          </a:blip>
+          <a:srcRect l="81698"/>
+          <a:stretch/>
+        </p:blipFill>
+        <p:spPr>
+          <a:xfrm>
+            <a:off x="1" y="6663595"/>
+            <a:ext cx="12191999" cy="84774"/>
+          </a:xfrm>
+          <a:prstGeom prst="rect">
+            <a:avLst/>
+          </a:prstGeom>
+        </p:spPr>
+      </p:pic>
+      <p:sp>
+        <p:nvSpPr>
+          <p:cNvPr id="7" name="AutoShape 2794"/>
+          <p:cNvSpPr>
+            <a:spLocks noChangeArrowheads="1"/>
+          </p:cNvSpPr>
+          <p:nvPr/>
+        </p:nvSpPr>
+        <p:spPr bwMode="auto">
+          <a:xfrm>
+            <a:off x="0" y="1384814"/>
+            <a:ext cx="4062549" cy="666749"/>
+          </a:xfrm>
+          <a:prstGeom prst="chevron">
+            <a:avLst>
+              <a:gd name="adj" fmla="val 32173"/>
+            </a:avLst>
+          </a:prstGeom>
+          <a:solidFill>
+            <a:srgbClr val="009FDB"/>
+          </a:solidFill>
+          <a:ln w="9525">
+            <a:noFill/>
+            <a:miter lim="800000"/>
+            <a:headEnd/>
+            <a:tailEnd/>
+          </a:ln>
+          <a:effectLst/>
+        </p:spPr>
+        <p:txBody>
+          <a:bodyPr wrap="none" anchor="ctr"/>
+          <a:lstStyle/>
+          <a:p>
+            <a:r>
+              <a:rPr lang="zh-CN" altLang="en-US" sz="3200" b="1" dirty="0">
+                <a:solidFill>
+                  <a:srgbClr val="FFFFFF"/>
+                </a:solidFill>
+              </a:rPr>
+              <a:t>四、</a:t>
+            </a:r>
+            <a:r>
+              <a:rPr lang="zh-CN" altLang="en-US" sz="3200" b="1" dirty="0" smtClean="0">
+                <a:solidFill>
+                  <a:srgbClr val="FFFFFF"/>
+                </a:solidFill>
+              </a:rPr>
+              <a:t>总　结</a:t>
+            </a:r>
+            <a:endParaRPr lang="zh-CN" altLang="zh-CN" sz="3200" b="1" dirty="0">
+              <a:solidFill>
+                <a:srgbClr val="FFFFFF"/>
+              </a:solidFill>
+            </a:endParaRPr>
+          </a:p>
+        </p:txBody>
+      </p:sp>
+      <p:sp>
+        <p:nvSpPr>
+          <p:cNvPr id="8" name="AutoShape 2794"/>
+          <p:cNvSpPr>
+            <a:spLocks noChangeArrowheads="1"/>
+          </p:cNvSpPr>
+          <p:nvPr/>
+        </p:nvSpPr>
+        <p:spPr bwMode="auto">
+          <a:xfrm flipH="1">
+            <a:off x="3904483" y="2636482"/>
+            <a:ext cx="4383032" cy="666749"/>
+          </a:xfrm>
+          <a:prstGeom prst="chevron">
+            <a:avLst>
+              <a:gd name="adj" fmla="val 32173"/>
+            </a:avLst>
+          </a:prstGeom>
+          <a:solidFill>
+            <a:srgbClr val="009FDB"/>
+          </a:solidFill>
+          <a:ln w="9525">
+            <a:noFill/>
+            <a:miter lim="800000"/>
+            <a:headEnd/>
+            <a:tailEnd/>
+          </a:ln>
+          <a:effectLst/>
+        </p:spPr>
+        <p:txBody>
+          <a:bodyPr wrap="none" anchor="ctr"/>
+          <a:lstStyle/>
+          <a:p>
+            <a:r>
+              <a:rPr lang="zh-CN" altLang="en-US" sz="2400" b="1" dirty="0">
+                <a:solidFill>
+                  <a:srgbClr val="FFFFFF"/>
+                </a:solidFill>
+              </a:rPr>
+              <a:t>４</a:t>
+            </a:r>
+            <a:r>
+              <a:rPr lang="en-US" altLang="zh-CN" sz="2400" b="1" dirty="0" smtClean="0">
+                <a:solidFill>
+                  <a:srgbClr val="FFFFFF"/>
+                </a:solidFill>
+              </a:rPr>
+              <a:t>.1 </a:t>
+            </a:r>
+            <a:r>
+              <a:rPr lang="zh-CN" altLang="en-US" sz="2400" b="1" dirty="0" smtClean="0">
+                <a:solidFill>
+                  <a:srgbClr val="FFFFFF"/>
+                </a:solidFill>
+              </a:rPr>
+              <a:t>总　结</a:t>
+            </a:r>
+            <a:endParaRPr lang="zh-CN" altLang="zh-CN" sz="2400" b="1" dirty="0" smtClean="0">
+              <a:solidFill>
+                <a:srgbClr val="FFFFFF"/>
+              </a:solidFill>
+            </a:endParaRPr>
+          </a:p>
+        </p:txBody>
+      </p:sp>
+    </p:spTree>
+    <p:extLst>
+      <p:ext uri="{BB962C8B-B14F-4D97-AF65-F5344CB8AC3E}">
+        <p14:creationId xmlns:p14="http://schemas.microsoft.com/office/powerpoint/2010/main" val="3730823868"/>
+      </p:ext>
+    </p:extLst>
+  </p:cSld>
+  <p:clrMapOvr>
+    <a:masterClrMapping/>
+  </p:clrMapOvr>
+  <p:timing>
+    <p:tnLst>
+      <p:par>
+        <p:cTn id="1" dur="indefinite" restart="never" nodeType="tmRoot"/>
+      </p:par>
+    </p:tnLst>
+  </p:timing>
+</p:sld>
+</file>
+
+<file path=ppt/slides/slide15.xml><?xml version="1.0" encoding="utf-8"?>
+<p:sld xmlns:a="http://schemas.openxmlformats.org/drawingml/2006/main" xmlns:r="http://schemas.openxmlformats.org/officeDocument/2006/relationships" xmlns:p="http://schemas.openxmlformats.org/presentationml/2006/main">
+  <p:cSld>
+    <p:spTree>
+      <p:nvGrpSpPr>
+        <p:cNvPr id="1" name=""/>
+        <p:cNvGrpSpPr/>
+        <p:nvPr/>
+      </p:nvGrpSpPr>
+      <p:grpSpPr>
+        <a:xfrm>
+          <a:off x="0" y="0"/>
+          <a:ext cx="0" cy="0"/>
+          <a:chOff x="0" y="0"/>
+          <a:chExt cx="0" cy="0"/>
+        </a:xfrm>
+      </p:grpSpPr>
+      <p:pic>
+        <p:nvPicPr>
+          <p:cNvPr id="5" name="图片 4"/>
+          <p:cNvPicPr>
+            <a:picLocks noChangeAspect="1"/>
+          </p:cNvPicPr>
+          <p:nvPr/>
+        </p:nvPicPr>
+        <p:blipFill rotWithShape="1">
+          <a:blip r:embed="rId2">
+            <a:extLst>
+              <a:ext uri="{28A0092B-C50C-407E-A947-70E740481C1C}">
+                <a14:useLocalDpi xmlns:a14="http://schemas.microsoft.com/office/drawing/2010/main" val="0"/>
+              </a:ext>
+            </a:extLst>
+          </a:blip>
+          <a:srcRect l="81698"/>
+          <a:stretch/>
+        </p:blipFill>
+        <p:spPr>
+          <a:xfrm>
+            <a:off x="0" y="0"/>
+            <a:ext cx="12191999" cy="1007512"/>
+          </a:xfrm>
+          <a:prstGeom prst="rect">
+            <a:avLst/>
+          </a:prstGeom>
+        </p:spPr>
+      </p:pic>
+      <p:pic>
+        <p:nvPicPr>
+          <p:cNvPr id="4" name="图片 3"/>
+          <p:cNvPicPr>
+            <a:picLocks noChangeAspect="1"/>
+          </p:cNvPicPr>
+          <p:nvPr/>
+        </p:nvPicPr>
+        <p:blipFill>
+          <a:blip r:embed="rId2">
+            <a:extLst>
+              <a:ext uri="{28A0092B-C50C-407E-A947-70E740481C1C}">
+                <a14:useLocalDpi xmlns:a14="http://schemas.microsoft.com/office/drawing/2010/main" val="0"/>
+              </a:ext>
+            </a:extLst>
+          </a:blip>
+          <a:stretch>
+            <a:fillRect/>
+          </a:stretch>
+        </p:blipFill>
+        <p:spPr>
+          <a:xfrm>
+            <a:off x="0" y="0"/>
+            <a:ext cx="4062549" cy="997216"/>
+          </a:xfrm>
+          <a:prstGeom prst="rect">
+            <a:avLst/>
+          </a:prstGeom>
+        </p:spPr>
+      </p:pic>
+      <p:sp>
+        <p:nvSpPr>
+          <p:cNvPr id="17" name="AutoShape 2794"/>
+          <p:cNvSpPr>
+            <a:spLocks noChangeArrowheads="1"/>
+          </p:cNvSpPr>
+          <p:nvPr/>
+        </p:nvSpPr>
+        <p:spPr bwMode="auto">
+          <a:xfrm>
+            <a:off x="7975600" y="330467"/>
+            <a:ext cx="4216399" cy="666749"/>
+          </a:xfrm>
+          <a:prstGeom prst="chevron">
+            <a:avLst>
+              <a:gd name="adj" fmla="val 32173"/>
+            </a:avLst>
+          </a:prstGeom>
+          <a:solidFill>
+            <a:srgbClr val="009FDB"/>
+          </a:solidFill>
+          <a:ln w="9525">
+            <a:noFill/>
+            <a:miter lim="800000"/>
+            <a:headEnd/>
+            <a:tailEnd/>
+          </a:ln>
+          <a:effectLst/>
+        </p:spPr>
+        <p:txBody>
+          <a:bodyPr wrap="none" anchor="ctr"/>
+          <a:lstStyle/>
+          <a:p>
+            <a:pPr algn="ctr"/>
+            <a:r>
+              <a:rPr lang="zh-CN" altLang="zh-CN" sz="1600" b="1" dirty="0" smtClean="0">
+                <a:solidFill>
+                  <a:srgbClr val="FFFFFF"/>
+                </a:solidFill>
+              </a:rPr>
+              <a:t>基于</a:t>
+            </a:r>
+            <a:r>
+              <a:rPr lang="en-US" altLang="zh-CN" sz="1600" b="1" dirty="0" smtClean="0">
+                <a:solidFill>
+                  <a:srgbClr val="FFFFFF"/>
+                </a:solidFill>
+              </a:rPr>
+              <a:t>B/S</a:t>
+            </a:r>
+            <a:r>
+              <a:rPr lang="zh-CN" altLang="zh-CN" sz="1600" b="1" dirty="0" smtClean="0">
+                <a:solidFill>
+                  <a:srgbClr val="FFFFFF"/>
+                </a:solidFill>
+              </a:rPr>
+              <a:t>模式的</a:t>
+            </a:r>
+            <a:r>
+              <a:rPr lang="en-US" altLang="zh-CN" sz="1600" b="1" dirty="0" smtClean="0">
+                <a:solidFill>
+                  <a:srgbClr val="FFFFFF"/>
+                </a:solidFill>
+              </a:rPr>
+              <a:t>Java</a:t>
+            </a:r>
+            <a:r>
+              <a:rPr lang="zh-CN" altLang="zh-CN" sz="1600" b="1" dirty="0" smtClean="0">
+                <a:solidFill>
+                  <a:srgbClr val="FFFFFF"/>
+                </a:solidFill>
+              </a:rPr>
+              <a:t>编程知识在线测试系统</a:t>
+            </a:r>
+            <a:endParaRPr lang="zh-CN" altLang="zh-CN" sz="1600" b="1" dirty="0">
+              <a:solidFill>
+                <a:srgbClr val="FFFFFF"/>
+              </a:solidFill>
+            </a:endParaRPr>
+          </a:p>
+        </p:txBody>
+      </p:sp>
+      <p:pic>
+        <p:nvPicPr>
+          <p:cNvPr id="19" name="图片 18"/>
+          <p:cNvPicPr>
+            <a:picLocks noChangeAspect="1"/>
+          </p:cNvPicPr>
+          <p:nvPr/>
+        </p:nvPicPr>
+        <p:blipFill rotWithShape="1">
+          <a:blip r:embed="rId2">
+            <a:extLst>
+              <a:ext uri="{28A0092B-C50C-407E-A947-70E740481C1C}">
+                <a14:useLocalDpi xmlns:a14="http://schemas.microsoft.com/office/drawing/2010/main" val="0"/>
+              </a:ext>
+            </a:extLst>
+          </a:blip>
+          <a:srcRect l="81698"/>
+          <a:stretch/>
+        </p:blipFill>
+        <p:spPr>
+          <a:xfrm>
+            <a:off x="1" y="6663595"/>
+            <a:ext cx="12191999" cy="84774"/>
+          </a:xfrm>
+          <a:prstGeom prst="rect">
+            <a:avLst/>
+          </a:prstGeom>
+        </p:spPr>
+      </p:pic>
+      <p:sp>
+        <p:nvSpPr>
+          <p:cNvPr id="7" name="AutoShape 2794"/>
+          <p:cNvSpPr>
+            <a:spLocks noChangeArrowheads="1"/>
+          </p:cNvSpPr>
+          <p:nvPr/>
+        </p:nvSpPr>
+        <p:spPr bwMode="auto">
+          <a:xfrm>
+            <a:off x="0" y="1384814"/>
+            <a:ext cx="4257206" cy="666749"/>
+          </a:xfrm>
+          <a:prstGeom prst="chevron">
+            <a:avLst>
+              <a:gd name="adj" fmla="val 32173"/>
+            </a:avLst>
+          </a:prstGeom>
+          <a:solidFill>
+            <a:srgbClr val="009FDB"/>
+          </a:solidFill>
+          <a:ln w="9525">
+            <a:noFill/>
+            <a:miter lim="800000"/>
+            <a:headEnd/>
+            <a:tailEnd/>
+          </a:ln>
+          <a:effectLst/>
+        </p:spPr>
+        <p:txBody>
+          <a:bodyPr wrap="none" anchor="ctr"/>
+          <a:lstStyle/>
+          <a:p>
+            <a:r>
+              <a:rPr lang="en-US" altLang="zh-CN" sz="2400" b="1" dirty="0" smtClean="0">
+                <a:solidFill>
+                  <a:srgbClr val="FFFFFF"/>
+                </a:solidFill>
+              </a:rPr>
+              <a:t>4.1 </a:t>
+            </a:r>
+            <a:r>
+              <a:rPr lang="zh-CN" altLang="en-US" sz="2400" b="1" dirty="0" smtClean="0">
+                <a:solidFill>
+                  <a:srgbClr val="FFFFFF"/>
+                </a:solidFill>
+              </a:rPr>
+              <a:t>总　结</a:t>
+            </a:r>
+            <a:endParaRPr lang="zh-CN" altLang="zh-CN" sz="2400" b="1" dirty="0" smtClean="0">
+              <a:solidFill>
+                <a:srgbClr val="FFFFFF"/>
+              </a:solidFill>
+            </a:endParaRPr>
+          </a:p>
+        </p:txBody>
+      </p:sp>
+    </p:spTree>
+    <p:extLst>
+      <p:ext uri="{BB962C8B-B14F-4D97-AF65-F5344CB8AC3E}">
+        <p14:creationId xmlns:p14="http://schemas.microsoft.com/office/powerpoint/2010/main" val="1506672988"/>
+      </p:ext>
+    </p:extLst>
+  </p:cSld>
+  <p:clrMapOvr>
+    <a:masterClrMapping/>
+  </p:clrMapOvr>
+  <p:timing>
+    <p:tnLst>
+      <p:par>
+        <p:cTn id="1" dur="indefinite" restart="never" nodeType="tmRoot"/>
+      </p:par>
+    </p:tnLst>
+  </p:timing>
+</p:sld>
+</file>
+
+<file path=ppt/slides/slide16.xml><?xml version="1.0" encoding="utf-8"?>
+<p:sld xmlns:a="http://schemas.openxmlformats.org/drawingml/2006/main" xmlns:r="http://schemas.openxmlformats.org/officeDocument/2006/relationships" xmlns:p="http://schemas.openxmlformats.org/presentationml/2006/main">
+  <p:cSld>
+    <p:spTree>
+      <p:nvGrpSpPr>
+        <p:cNvPr id="1" name=""/>
+        <p:cNvGrpSpPr/>
+        <p:nvPr/>
+      </p:nvGrpSpPr>
+      <p:grpSpPr>
+        <a:xfrm>
+          <a:off x="0" y="0"/>
+          <a:ext cx="0" cy="0"/>
+          <a:chOff x="0" y="0"/>
+          <a:chExt cx="0" cy="0"/>
+        </a:xfrm>
+      </p:grpSpPr>
+      <p:pic>
+        <p:nvPicPr>
+          <p:cNvPr id="5" name="图片 4"/>
+          <p:cNvPicPr>
+            <a:picLocks noChangeAspect="1"/>
+          </p:cNvPicPr>
+          <p:nvPr/>
+        </p:nvPicPr>
+        <p:blipFill rotWithShape="1">
+          <a:blip r:embed="rId2">
+            <a:extLst>
+              <a:ext uri="{28A0092B-C50C-407E-A947-70E740481C1C}">
+                <a14:useLocalDpi xmlns:a14="http://schemas.microsoft.com/office/drawing/2010/main" val="0"/>
+              </a:ext>
+            </a:extLst>
+          </a:blip>
+          <a:srcRect l="81698"/>
+          <a:stretch/>
+        </p:blipFill>
+        <p:spPr>
+          <a:xfrm>
+            <a:off x="0" y="0"/>
+            <a:ext cx="12191999" cy="1007512"/>
+          </a:xfrm>
+          <a:prstGeom prst="rect">
+            <a:avLst/>
+          </a:prstGeom>
+        </p:spPr>
+      </p:pic>
+      <p:pic>
+        <p:nvPicPr>
+          <p:cNvPr id="4" name="图片 3"/>
+          <p:cNvPicPr>
+            <a:picLocks noChangeAspect="1"/>
+          </p:cNvPicPr>
+          <p:nvPr/>
+        </p:nvPicPr>
+        <p:blipFill>
+          <a:blip r:embed="rId2">
+            <a:extLst>
+              <a:ext uri="{28A0092B-C50C-407E-A947-70E740481C1C}">
+                <a14:useLocalDpi xmlns:a14="http://schemas.microsoft.com/office/drawing/2010/main" val="0"/>
+              </a:ext>
+            </a:extLst>
+          </a:blip>
+          <a:stretch>
+            <a:fillRect/>
+          </a:stretch>
+        </p:blipFill>
+        <p:spPr>
+          <a:xfrm>
+            <a:off x="0" y="0"/>
+            <a:ext cx="4062549" cy="997216"/>
+          </a:xfrm>
+          <a:prstGeom prst="rect">
+            <a:avLst/>
+          </a:prstGeom>
+        </p:spPr>
+      </p:pic>
+      <p:sp>
+        <p:nvSpPr>
+          <p:cNvPr id="17" name="AutoShape 2794"/>
+          <p:cNvSpPr>
+            <a:spLocks noChangeArrowheads="1"/>
+          </p:cNvSpPr>
+          <p:nvPr/>
+        </p:nvSpPr>
+        <p:spPr bwMode="auto">
+          <a:xfrm>
+            <a:off x="7975600" y="330467"/>
+            <a:ext cx="4216399" cy="666749"/>
+          </a:xfrm>
+          <a:prstGeom prst="chevron">
+            <a:avLst>
+              <a:gd name="adj" fmla="val 32173"/>
+            </a:avLst>
+          </a:prstGeom>
+          <a:solidFill>
+            <a:srgbClr val="009FDB"/>
+          </a:solidFill>
+          <a:ln w="9525">
+            <a:noFill/>
+            <a:miter lim="800000"/>
+            <a:headEnd/>
+            <a:tailEnd/>
+          </a:ln>
+          <a:effectLst/>
+        </p:spPr>
+        <p:txBody>
+          <a:bodyPr wrap="none" anchor="ctr"/>
+          <a:lstStyle/>
+          <a:p>
+            <a:pPr algn="ctr"/>
+            <a:r>
+              <a:rPr lang="zh-CN" altLang="zh-CN" sz="1600" b="1" dirty="0" smtClean="0">
+                <a:solidFill>
+                  <a:srgbClr val="FFFFFF"/>
+                </a:solidFill>
+              </a:rPr>
+              <a:t>基于</a:t>
+            </a:r>
+            <a:r>
+              <a:rPr lang="en-US" altLang="zh-CN" sz="1600" b="1" dirty="0" smtClean="0">
+                <a:solidFill>
+                  <a:srgbClr val="FFFFFF"/>
+                </a:solidFill>
+              </a:rPr>
+              <a:t>B/S</a:t>
+            </a:r>
+            <a:r>
+              <a:rPr lang="zh-CN" altLang="zh-CN" sz="1600" b="1" dirty="0" smtClean="0">
+                <a:solidFill>
+                  <a:srgbClr val="FFFFFF"/>
+                </a:solidFill>
+              </a:rPr>
+              <a:t>模式的</a:t>
+            </a:r>
+            <a:r>
+              <a:rPr lang="en-US" altLang="zh-CN" sz="1600" b="1" dirty="0" smtClean="0">
+                <a:solidFill>
+                  <a:srgbClr val="FFFFFF"/>
+                </a:solidFill>
+              </a:rPr>
+              <a:t>Java</a:t>
+            </a:r>
+            <a:r>
+              <a:rPr lang="zh-CN" altLang="zh-CN" sz="1600" b="1" dirty="0" smtClean="0">
+                <a:solidFill>
+                  <a:srgbClr val="FFFFFF"/>
+                </a:solidFill>
+              </a:rPr>
+              <a:t>编程知识在线测试系统</a:t>
+            </a:r>
+            <a:endParaRPr lang="zh-CN" altLang="zh-CN" sz="1600" b="1" dirty="0">
+              <a:solidFill>
+                <a:srgbClr val="FFFFFF"/>
+              </a:solidFill>
+            </a:endParaRPr>
+          </a:p>
+        </p:txBody>
+      </p:sp>
+      <p:pic>
+        <p:nvPicPr>
+          <p:cNvPr id="19" name="图片 18"/>
+          <p:cNvPicPr>
+            <a:picLocks noChangeAspect="1"/>
+          </p:cNvPicPr>
+          <p:nvPr/>
+        </p:nvPicPr>
+        <p:blipFill rotWithShape="1">
+          <a:blip r:embed="rId2">
+            <a:extLst>
+              <a:ext uri="{28A0092B-C50C-407E-A947-70E740481C1C}">
+                <a14:useLocalDpi xmlns:a14="http://schemas.microsoft.com/office/drawing/2010/main" val="0"/>
+              </a:ext>
+            </a:extLst>
+          </a:blip>
+          <a:srcRect l="81698"/>
+          <a:stretch/>
+        </p:blipFill>
+        <p:spPr>
+          <a:xfrm>
+            <a:off x="1" y="6663595"/>
+            <a:ext cx="12191999" cy="84774"/>
+          </a:xfrm>
+          <a:prstGeom prst="rect">
+            <a:avLst/>
+          </a:prstGeom>
+        </p:spPr>
+      </p:pic>
+      <p:sp>
+        <p:nvSpPr>
+          <p:cNvPr id="2" name="矩形 1"/>
+          <p:cNvSpPr/>
+          <p:nvPr/>
+        </p:nvSpPr>
+        <p:spPr>
+          <a:xfrm>
+            <a:off x="3042757" y="2933058"/>
+            <a:ext cx="6734558" cy="1384995"/>
+          </a:xfrm>
+          <a:prstGeom prst="rect">
+            <a:avLst/>
+          </a:prstGeom>
+        </p:spPr>
+        <p:txBody>
+          <a:bodyPr wrap="square">
+            <a:spAutoFit/>
+          </a:bodyPr>
+          <a:lstStyle/>
+          <a:p>
+            <a:r>
+              <a:rPr lang="zh-CN" altLang="en-US" sz="4800" b="1" dirty="0" smtClean="0">
+                <a:latin typeface="华文行楷" panose="02010800040101010101" pitchFamily="2" charset="-122"/>
+                <a:ea typeface="华文行楷" panose="02010800040101010101" pitchFamily="2" charset="-122"/>
+              </a:rPr>
+              <a:t>　谢谢观赏</a:t>
+            </a:r>
+            <a:endParaRPr lang="en-US" altLang="zh-CN" sz="4800" b="1" dirty="0" smtClean="0">
+              <a:latin typeface="华文行楷" panose="02010800040101010101" pitchFamily="2" charset="-122"/>
+              <a:ea typeface="华文行楷" panose="02010800040101010101" pitchFamily="2" charset="-122"/>
+            </a:endParaRPr>
+          </a:p>
+          <a:p>
+            <a:pPr algn="r"/>
+            <a:r>
+              <a:rPr lang="zh-CN" altLang="en-US" sz="3600" b="1" dirty="0" smtClean="0">
+                <a:latin typeface="华文行楷" panose="02010800040101010101" pitchFamily="2" charset="-122"/>
+                <a:ea typeface="华文行楷" panose="02010800040101010101" pitchFamily="2" charset="-122"/>
+              </a:rPr>
+              <a:t>请各位评委老师批评指正</a:t>
+            </a:r>
+            <a:endParaRPr lang="zh-CN" altLang="zh-CN" sz="3600" b="1" dirty="0">
+              <a:latin typeface="华文行楷" panose="02010800040101010101" pitchFamily="2" charset="-122"/>
+              <a:ea typeface="华文行楷" panose="02010800040101010101" pitchFamily="2" charset="-122"/>
+            </a:endParaRPr>
+          </a:p>
+        </p:txBody>
+      </p:sp>
+    </p:spTree>
+    <p:extLst>
+      <p:ext uri="{BB962C8B-B14F-4D97-AF65-F5344CB8AC3E}">
+        <p14:creationId xmlns:p14="http://schemas.microsoft.com/office/powerpoint/2010/main" val="4019089689"/>
       </p:ext>
     </p:extLst>
   </p:cSld>
@@ -3480,7 +5644,7 @@
         </p:nvSpPr>
         <p:spPr bwMode="auto">
           <a:xfrm flipH="1">
-            <a:off x="4511039" y="2246949"/>
+            <a:off x="4433454" y="2233094"/>
             <a:ext cx="3199902" cy="666749"/>
           </a:xfrm>
           <a:prstGeom prst="chevron">
@@ -3537,7 +5701,7 @@
         </p:nvSpPr>
         <p:spPr bwMode="auto">
           <a:xfrm flipH="1">
-            <a:off x="4511039" y="3304224"/>
+            <a:off x="4433454" y="3290369"/>
             <a:ext cx="3178735" cy="666749"/>
           </a:xfrm>
           <a:prstGeom prst="chevron">
@@ -3594,7 +5758,7 @@
         </p:nvSpPr>
         <p:spPr bwMode="auto">
           <a:xfrm flipH="1">
-            <a:off x="4511039" y="4361499"/>
+            <a:off x="4433454" y="4347644"/>
             <a:ext cx="3157569" cy="666749"/>
           </a:xfrm>
           <a:prstGeom prst="chevron">
@@ -3651,7 +5815,7 @@
         </p:nvSpPr>
         <p:spPr bwMode="auto">
           <a:xfrm flipH="1">
-            <a:off x="4511039" y="5418774"/>
+            <a:off x="4433454" y="5404919"/>
             <a:ext cx="3136403" cy="666749"/>
           </a:xfrm>
           <a:prstGeom prst="chevron">
@@ -3737,8 +5901,8 @@
         </p:nvSpPr>
         <p:spPr bwMode="auto">
           <a:xfrm>
-            <a:off x="0" y="1384814"/>
-            <a:ext cx="4257206" cy="666749"/>
+            <a:off x="-1" y="1384814"/>
+            <a:ext cx="4433455" cy="666749"/>
           </a:xfrm>
           <a:prstGeom prst="chevron">
             <a:avLst>
@@ -3761,14 +5925,14 @@
           <a:lstStyle/>
           <a:p>
             <a:r>
-              <a:rPr lang="zh-CN" altLang="en-US" sz="2400" b="1" dirty="0" smtClean="0">
+              <a:rPr lang="zh-CN" altLang="en-US" sz="3600" b="1" dirty="0" smtClean="0">
                 <a:solidFill>
                   <a:srgbClr val="FFFFFF"/>
                 </a:solidFill>
               </a:rPr>
               <a:t>主要答辩内容</a:t>
             </a:r>
-            <a:endParaRPr lang="zh-CN" altLang="zh-CN" sz="2400" b="1" dirty="0" smtClean="0">
+            <a:endParaRPr lang="zh-CN" altLang="zh-CN" sz="3600" b="1" dirty="0" smtClean="0">
               <a:solidFill>
                 <a:srgbClr val="FFFFFF"/>
               </a:solidFill>
@@ -3985,31 +6149,123 @@
       </p:pic>
       <p:sp>
         <p:nvSpPr>
-          <p:cNvPr id="2" name="矩形 1"/>
-          <p:cNvSpPr/>
-          <p:nvPr/>
-        </p:nvSpPr>
-        <p:spPr>
-          <a:xfrm>
-            <a:off x="3002845" y="3136613"/>
-            <a:ext cx="6186310" cy="646331"/>
-          </a:xfrm>
-          <a:prstGeom prst="rect">
-            <a:avLst/>
-          </a:prstGeom>
-        </p:spPr>
-        <p:txBody>
-          <a:bodyPr wrap="none">
-            <a:spAutoFit/>
-          </a:bodyPr>
-          <a:lstStyle/>
-          <a:p>
-            <a:pPr algn="ctr"/>
-            <a:r>
-              <a:rPr lang="zh-CN" altLang="en-US" sz="3600" b="1" dirty="0"/>
-              <a:t>一、课题的背景、目的和意义</a:t>
-            </a:r>
-            <a:endParaRPr lang="zh-CN" altLang="zh-CN" sz="3600" b="1" dirty="0"/>
+          <p:cNvPr id="7" name="AutoShape 2794"/>
+          <p:cNvSpPr>
+            <a:spLocks noChangeArrowheads="1"/>
+          </p:cNvSpPr>
+          <p:nvPr/>
+        </p:nvSpPr>
+        <p:spPr bwMode="auto">
+          <a:xfrm flipH="1">
+            <a:off x="4627418" y="2792837"/>
+            <a:ext cx="4383032" cy="666749"/>
+          </a:xfrm>
+          <a:prstGeom prst="chevron">
+            <a:avLst>
+              <a:gd name="adj" fmla="val 32173"/>
+            </a:avLst>
+          </a:prstGeom>
+          <a:solidFill>
+            <a:srgbClr val="009FDB"/>
+          </a:solidFill>
+          <a:ln w="9525">
+            <a:noFill/>
+            <a:miter lim="800000"/>
+            <a:headEnd/>
+            <a:tailEnd/>
+          </a:ln>
+          <a:effectLst/>
+        </p:spPr>
+        <p:txBody>
+          <a:bodyPr wrap="none" anchor="ctr"/>
+          <a:lstStyle/>
+          <a:p>
+            <a:r>
+              <a:rPr lang="en-US" altLang="zh-CN" sz="2400" b="1" dirty="0" smtClean="0">
+                <a:solidFill>
+                  <a:srgbClr val="FFFFFF"/>
+                </a:solidFill>
+              </a:rPr>
+              <a:t>1.1 </a:t>
+            </a:r>
+            <a:r>
+              <a:rPr lang="zh-CN" altLang="en-US" sz="2400" b="1" dirty="0" smtClean="0">
+                <a:solidFill>
+                  <a:srgbClr val="FFFFFF"/>
+                </a:solidFill>
+              </a:rPr>
+              <a:t>课题的背景、目的和意义</a:t>
+            </a:r>
+            <a:endParaRPr lang="zh-CN" altLang="zh-CN" sz="2400" b="1" dirty="0" smtClean="0">
+              <a:solidFill>
+                <a:srgbClr val="FFFFFF"/>
+              </a:solidFill>
+            </a:endParaRPr>
+          </a:p>
+        </p:txBody>
+      </p:sp>
+      <p:sp>
+        <p:nvSpPr>
+          <p:cNvPr id="8" name="AutoShape 2794"/>
+          <p:cNvSpPr>
+            <a:spLocks noChangeArrowheads="1"/>
+          </p:cNvSpPr>
+          <p:nvPr/>
+        </p:nvSpPr>
+        <p:spPr bwMode="auto">
+          <a:xfrm>
+            <a:off x="0" y="1384814"/>
+            <a:ext cx="4627418" cy="666749"/>
+          </a:xfrm>
+          <a:prstGeom prst="chevron">
+            <a:avLst>
+              <a:gd name="adj" fmla="val 32173"/>
+            </a:avLst>
+          </a:prstGeom>
+          <a:solidFill>
+            <a:srgbClr val="009FDB"/>
+          </a:solidFill>
+          <a:ln w="9525">
+            <a:noFill/>
+            <a:miter lim="800000"/>
+            <a:headEnd/>
+            <a:tailEnd/>
+          </a:ln>
+          <a:effectLst/>
+        </p:spPr>
+        <p:txBody>
+          <a:bodyPr wrap="none" anchor="ctr"/>
+          <a:lstStyle/>
+          <a:p>
+            <a:r>
+              <a:rPr lang="zh-CN" altLang="en-US" sz="3200" b="1" dirty="0">
+                <a:solidFill>
+                  <a:srgbClr val="FFFFFF"/>
+                </a:solidFill>
+              </a:rPr>
+              <a:t>一</a:t>
+            </a:r>
+            <a:r>
+              <a:rPr lang="zh-CN" altLang="en-US" sz="3200" b="1" dirty="0" smtClean="0">
+                <a:solidFill>
+                  <a:srgbClr val="FFFFFF"/>
+                </a:solidFill>
+              </a:rPr>
+              <a:t>、背景</a:t>
+            </a:r>
+            <a:r>
+              <a:rPr lang="zh-CN" altLang="en-US" sz="3200" b="1" dirty="0">
+                <a:solidFill>
+                  <a:srgbClr val="FFFFFF"/>
+                </a:solidFill>
+              </a:rPr>
+              <a:t>、目的和意义</a:t>
+            </a:r>
+            <a:endParaRPr lang="zh-CN" altLang="zh-CN" sz="3200" b="1" dirty="0">
+              <a:solidFill>
+                <a:srgbClr val="FFFFFF"/>
+              </a:solidFill>
+            </a:endParaRPr>
           </a:p>
         </p:txBody>
       </p:sp>
@@ -4585,31 +6841,222 @@
       </p:pic>
       <p:sp>
         <p:nvSpPr>
-          <p:cNvPr id="2" name="矩形 1"/>
-          <p:cNvSpPr/>
-          <p:nvPr/>
-        </p:nvSpPr>
-        <p:spPr>
-          <a:xfrm>
-            <a:off x="3926175" y="3136613"/>
-            <a:ext cx="4339650" cy="646331"/>
-          </a:xfrm>
-          <a:prstGeom prst="rect">
-            <a:avLst/>
-          </a:prstGeom>
-        </p:spPr>
-        <p:txBody>
-          <a:bodyPr wrap="none">
-            <a:spAutoFit/>
-          </a:bodyPr>
-          <a:lstStyle/>
-          <a:p>
-            <a:pPr algn="ctr"/>
-            <a:r>
-              <a:rPr lang="zh-CN" altLang="en-US" sz="3600" b="1" dirty="0" smtClean="0"/>
-              <a:t>二、国内外研究现状</a:t>
-            </a:r>
-            <a:endParaRPr lang="zh-CN" altLang="zh-CN" sz="3600" b="1" dirty="0"/>
+          <p:cNvPr id="8" name="AutoShape 2794"/>
+          <p:cNvSpPr>
+            <a:spLocks noChangeArrowheads="1"/>
+          </p:cNvSpPr>
+          <p:nvPr/>
+        </p:nvSpPr>
+        <p:spPr bwMode="auto">
+          <a:xfrm>
+            <a:off x="0" y="1384814"/>
+            <a:ext cx="4197927" cy="666749"/>
+          </a:xfrm>
+          <a:prstGeom prst="chevron">
+            <a:avLst>
+              <a:gd name="adj" fmla="val 32173"/>
+            </a:avLst>
+          </a:prstGeom>
+          <a:solidFill>
+            <a:srgbClr val="009FDB"/>
+          </a:solidFill>
+          <a:ln w="9525">
+            <a:noFill/>
+            <a:miter lim="800000"/>
+            <a:headEnd/>
+            <a:tailEnd/>
+          </a:ln>
+          <a:effectLst/>
+        </p:spPr>
+        <p:txBody>
+          <a:bodyPr wrap="none" anchor="ctr"/>
+          <a:lstStyle/>
+          <a:p>
+            <a:r>
+              <a:rPr lang="zh-CN" altLang="en-US" sz="3200" b="1" dirty="0" smtClean="0">
+                <a:solidFill>
+                  <a:srgbClr val="FFFFFF"/>
+                </a:solidFill>
+              </a:rPr>
+              <a:t>二</a:t>
+            </a:r>
+            <a:r>
+              <a:rPr lang="zh-CN" altLang="en-US" sz="3200" b="1" dirty="0">
+                <a:solidFill>
+                  <a:srgbClr val="FFFFFF"/>
+                </a:solidFill>
+              </a:rPr>
+              <a:t>、国内外研究</a:t>
+            </a:r>
+            <a:r>
+              <a:rPr lang="zh-CN" altLang="en-US" sz="3200" b="1" dirty="0" smtClean="0">
+                <a:solidFill>
+                  <a:srgbClr val="FFFFFF"/>
+                </a:solidFill>
+              </a:rPr>
+              <a:t>现状</a:t>
+            </a:r>
+            <a:endParaRPr lang="zh-CN" altLang="zh-CN" sz="3200" b="1" dirty="0">
+              <a:solidFill>
+                <a:srgbClr val="FFFFFF"/>
+              </a:solidFill>
+            </a:endParaRPr>
+          </a:p>
+        </p:txBody>
+      </p:sp>
+      <p:sp>
+        <p:nvSpPr>
+          <p:cNvPr id="10" name="AutoShape 2794"/>
+          <p:cNvSpPr>
+            <a:spLocks noChangeArrowheads="1"/>
+          </p:cNvSpPr>
+          <p:nvPr/>
+        </p:nvSpPr>
+        <p:spPr bwMode="auto">
+          <a:xfrm flipH="1">
+            <a:off x="4062549" y="2631334"/>
+            <a:ext cx="4383032" cy="666749"/>
+          </a:xfrm>
+          <a:prstGeom prst="chevron">
+            <a:avLst>
+              <a:gd name="adj" fmla="val 32173"/>
+            </a:avLst>
+          </a:prstGeom>
+          <a:solidFill>
+            <a:srgbClr val="009FDB"/>
+          </a:solidFill>
+          <a:ln w="9525">
+            <a:noFill/>
+            <a:miter lim="800000"/>
+            <a:headEnd/>
+            <a:tailEnd/>
+          </a:ln>
+          <a:effectLst/>
+        </p:spPr>
+        <p:txBody>
+          <a:bodyPr wrap="none" anchor="ctr"/>
+          <a:lstStyle/>
+          <a:p>
+            <a:r>
+              <a:rPr lang="zh-CN" altLang="en-US" sz="2400" b="1" dirty="0">
+                <a:solidFill>
+                  <a:srgbClr val="FFFFFF"/>
+                </a:solidFill>
+              </a:rPr>
+              <a:t>２</a:t>
+            </a:r>
+            <a:r>
+              <a:rPr lang="en-US" altLang="zh-CN" sz="2400" b="1" dirty="0" smtClean="0">
+                <a:solidFill>
+                  <a:srgbClr val="FFFFFF"/>
+                </a:solidFill>
+              </a:rPr>
+              <a:t>.1 </a:t>
+            </a:r>
+            <a:r>
+              <a:rPr lang="zh-CN" altLang="en-US" sz="2400" b="1" dirty="0" smtClean="0">
+                <a:solidFill>
+                  <a:srgbClr val="FFFFFF"/>
+                </a:solidFill>
+              </a:rPr>
+              <a:t>在线测试系统</a:t>
+            </a:r>
+            <a:endParaRPr lang="zh-CN" altLang="zh-CN" sz="2400" b="1" dirty="0" smtClean="0">
+              <a:solidFill>
+                <a:srgbClr val="FFFFFF"/>
+              </a:solidFill>
+            </a:endParaRPr>
+          </a:p>
+        </p:txBody>
+      </p:sp>
+      <p:sp>
+        <p:nvSpPr>
+          <p:cNvPr id="12" name="AutoShape 2794"/>
+          <p:cNvSpPr>
+            <a:spLocks noChangeArrowheads="1"/>
+          </p:cNvSpPr>
+          <p:nvPr/>
+        </p:nvSpPr>
+        <p:spPr bwMode="auto">
+          <a:xfrm flipH="1">
+            <a:off x="4062549" y="3695979"/>
+            <a:ext cx="4383032" cy="666749"/>
+          </a:xfrm>
+          <a:prstGeom prst="chevron">
+            <a:avLst>
+              <a:gd name="adj" fmla="val 32173"/>
+            </a:avLst>
+          </a:prstGeom>
+          <a:solidFill>
+            <a:srgbClr val="009FDB"/>
+          </a:solidFill>
+          <a:ln w="9525">
+            <a:noFill/>
+            <a:miter lim="800000"/>
+            <a:headEnd/>
+            <a:tailEnd/>
+          </a:ln>
+          <a:effectLst/>
+        </p:spPr>
+        <p:txBody>
+          <a:bodyPr wrap="none" anchor="ctr"/>
+          <a:lstStyle/>
+          <a:p>
+            <a:r>
+              <a:rPr lang="zh-CN" altLang="en-US" sz="2400" b="1" dirty="0">
+                <a:solidFill>
+                  <a:srgbClr val="FFFFFF"/>
+                </a:solidFill>
+              </a:rPr>
+              <a:t>２</a:t>
+            </a:r>
+            <a:r>
+              <a:rPr lang="en-US" altLang="zh-CN" sz="2400" b="1" dirty="0" smtClean="0">
+                <a:solidFill>
+                  <a:srgbClr val="FFFFFF"/>
+                </a:solidFill>
+              </a:rPr>
+              <a:t>.</a:t>
+            </a:r>
+            <a:r>
+              <a:rPr lang="zh-CN" altLang="en-US" sz="2400" b="1" dirty="0" smtClean="0">
+                <a:solidFill>
+                  <a:srgbClr val="FFFFFF"/>
+                </a:solidFill>
+              </a:rPr>
+              <a:t>２</a:t>
+            </a:r>
+            <a:r>
+              <a:rPr lang="en-US" altLang="zh-CN" sz="2400" b="1" dirty="0" smtClean="0">
+                <a:solidFill>
+                  <a:srgbClr val="FFFFFF"/>
+                </a:solidFill>
+              </a:rPr>
+              <a:t> </a:t>
+            </a:r>
+            <a:r>
+              <a:rPr lang="zh-CN" altLang="en-US" sz="2400" b="1" dirty="0" smtClean="0">
+                <a:solidFill>
+                  <a:srgbClr val="FFFFFF"/>
+                </a:solidFill>
+                <a:latin typeface="Times New Roman" panose="02020603050405020304" pitchFamily="18" charset="0"/>
+                <a:cs typeface="Times New Roman" panose="02020603050405020304" pitchFamily="18" charset="0"/>
+              </a:rPr>
+              <a:t>Ｄｏｃｋｅｒ</a:t>
+            </a:r>
+            <a:r>
+              <a:rPr lang="zh-CN" altLang="en-US" sz="2400" b="1" dirty="0" smtClean="0">
+                <a:solidFill>
+                  <a:srgbClr val="FFFFFF"/>
+                </a:solidFill>
+              </a:rPr>
+              <a:t>技术</a:t>
+            </a:r>
+            <a:endParaRPr lang="zh-CN" altLang="zh-CN" sz="2400" b="1" dirty="0" smtClean="0">
+              <a:solidFill>
+                <a:srgbClr val="FFFFFF"/>
+              </a:solidFill>
+            </a:endParaRPr>
           </a:p>
         </p:txBody>
       </p:sp>
@@ -5193,35 +7640,335 @@
       </p:pic>
       <p:sp>
         <p:nvSpPr>
-          <p:cNvPr id="2" name="矩形 1"/>
-          <p:cNvSpPr/>
-          <p:nvPr/>
-        </p:nvSpPr>
-        <p:spPr>
-          <a:xfrm>
-            <a:off x="4157008" y="3136613"/>
-            <a:ext cx="3877985" cy="646331"/>
-          </a:xfrm>
-          <a:prstGeom prst="rect">
-            <a:avLst/>
-          </a:prstGeom>
-        </p:spPr>
-        <p:txBody>
-          <a:bodyPr wrap="none">
-            <a:spAutoFit/>
-          </a:bodyPr>
-          <a:lstStyle/>
-          <a:p>
-            <a:pPr algn="ctr"/>
-            <a:r>
-              <a:rPr lang="zh-CN" altLang="en-US" sz="3600" b="1" dirty="0"/>
-              <a:t>三</a:t>
-            </a:r>
-            <a:r>
-              <a:rPr lang="zh-CN" altLang="en-US" sz="3600" b="1" dirty="0" smtClean="0"/>
-              <a:t>、主要工作内容</a:t>
-            </a:r>
-            <a:endParaRPr lang="zh-CN" altLang="zh-CN" sz="3600" b="1" dirty="0"/>
+          <p:cNvPr id="7" name="AutoShape 2794"/>
+          <p:cNvSpPr>
+            <a:spLocks noChangeArrowheads="1"/>
+          </p:cNvSpPr>
+          <p:nvPr/>
+        </p:nvSpPr>
+        <p:spPr bwMode="auto">
+          <a:xfrm flipH="1">
+            <a:off x="4062549" y="2011090"/>
+            <a:ext cx="3546761" cy="666749"/>
+          </a:xfrm>
+          <a:prstGeom prst="chevron">
+            <a:avLst>
+              <a:gd name="adj" fmla="val 32173"/>
+            </a:avLst>
+          </a:prstGeom>
+          <a:solidFill>
+            <a:srgbClr val="009FDB"/>
+          </a:solidFill>
+          <a:ln w="9525">
+            <a:noFill/>
+            <a:miter lim="800000"/>
+            <a:headEnd/>
+            <a:tailEnd/>
+          </a:ln>
+          <a:effectLst/>
+        </p:spPr>
+        <p:txBody>
+          <a:bodyPr wrap="none" anchor="ctr"/>
+          <a:lstStyle/>
+          <a:p>
+            <a:r>
+              <a:rPr lang="en-US" altLang="zh-CN" sz="2400" b="1" dirty="0" smtClean="0">
+                <a:solidFill>
+                  <a:srgbClr val="FFFFFF"/>
+                </a:solidFill>
+              </a:rPr>
+              <a:t>3.1 </a:t>
+            </a:r>
+            <a:r>
+              <a:rPr lang="zh-CN" altLang="en-US" sz="2400" b="1" dirty="0" smtClean="0">
+                <a:solidFill>
+                  <a:srgbClr val="FFFFFF"/>
+                </a:solidFill>
+              </a:rPr>
+              <a:t>开发技术与环境</a:t>
+            </a:r>
+            <a:endParaRPr lang="zh-CN" altLang="zh-CN" sz="2400" b="1" dirty="0" smtClean="0">
+              <a:solidFill>
+                <a:srgbClr val="FFFFFF"/>
+              </a:solidFill>
+            </a:endParaRPr>
+          </a:p>
+        </p:txBody>
+      </p:sp>
+      <p:sp>
+        <p:nvSpPr>
+          <p:cNvPr id="8" name="AutoShape 2794"/>
+          <p:cNvSpPr>
+            <a:spLocks noChangeArrowheads="1"/>
+          </p:cNvSpPr>
+          <p:nvPr/>
+        </p:nvSpPr>
+        <p:spPr bwMode="auto">
+          <a:xfrm flipH="1">
+            <a:off x="4062549" y="2913677"/>
+            <a:ext cx="3546761" cy="666749"/>
+          </a:xfrm>
+          <a:prstGeom prst="chevron">
+            <a:avLst>
+              <a:gd name="adj" fmla="val 32173"/>
+            </a:avLst>
+          </a:prstGeom>
+          <a:solidFill>
+            <a:srgbClr val="009FDB"/>
+          </a:solidFill>
+          <a:ln w="9525">
+            <a:noFill/>
+            <a:miter lim="800000"/>
+            <a:headEnd/>
+            <a:tailEnd/>
+          </a:ln>
+          <a:effectLst/>
+        </p:spPr>
+        <p:txBody>
+          <a:bodyPr wrap="none" anchor="ctr"/>
+          <a:lstStyle/>
+          <a:p>
+            <a:r>
+              <a:rPr lang="en-US" altLang="zh-CN" sz="2400" b="1" dirty="0" smtClean="0">
+                <a:solidFill>
+                  <a:srgbClr val="FFFFFF"/>
+                </a:solidFill>
+              </a:rPr>
+              <a:t>3.2 </a:t>
+            </a:r>
+            <a:r>
+              <a:rPr lang="zh-CN" altLang="en-US" sz="2400" b="1" dirty="0" smtClean="0">
+                <a:solidFill>
+                  <a:srgbClr val="FFFFFF"/>
+                </a:solidFill>
+              </a:rPr>
+              <a:t>系统需求分析</a:t>
+            </a:r>
+            <a:endParaRPr lang="zh-CN" altLang="zh-CN" sz="2400" b="1" dirty="0" smtClean="0">
+              <a:solidFill>
+                <a:srgbClr val="FFFFFF"/>
+              </a:solidFill>
+            </a:endParaRPr>
+          </a:p>
+        </p:txBody>
+      </p:sp>
+      <p:sp>
+        <p:nvSpPr>
+          <p:cNvPr id="9" name="AutoShape 2794"/>
+          <p:cNvSpPr>
+            <a:spLocks noChangeArrowheads="1"/>
+          </p:cNvSpPr>
+          <p:nvPr/>
+        </p:nvSpPr>
+        <p:spPr bwMode="auto">
+          <a:xfrm flipH="1">
+            <a:off x="4062549" y="3859126"/>
+            <a:ext cx="3546761" cy="666749"/>
+          </a:xfrm>
+          <a:prstGeom prst="chevron">
+            <a:avLst>
+              <a:gd name="adj" fmla="val 32173"/>
+            </a:avLst>
+          </a:prstGeom>
+          <a:solidFill>
+            <a:srgbClr val="009FDB"/>
+          </a:solidFill>
+          <a:ln w="9525">
+            <a:noFill/>
+            <a:miter lim="800000"/>
+            <a:headEnd/>
+            <a:tailEnd/>
+          </a:ln>
+          <a:effectLst/>
+        </p:spPr>
+        <p:txBody>
+          <a:bodyPr wrap="none" anchor="ctr"/>
+          <a:lstStyle/>
+          <a:p>
+            <a:r>
+              <a:rPr lang="en-US" altLang="zh-CN" sz="2400" b="1" dirty="0" smtClean="0">
+                <a:solidFill>
+                  <a:srgbClr val="FFFFFF"/>
+                </a:solidFill>
+              </a:rPr>
+              <a:t>3.3 </a:t>
+            </a:r>
+            <a:r>
+              <a:rPr lang="zh-CN" altLang="en-US" sz="2400" b="1" dirty="0" smtClean="0">
+                <a:solidFill>
+                  <a:srgbClr val="FFFFFF"/>
+                </a:solidFill>
+              </a:rPr>
+              <a:t>系统总体结构设计</a:t>
+            </a:r>
+            <a:endParaRPr lang="zh-CN" altLang="zh-CN" sz="2400" b="1" dirty="0" smtClean="0">
+              <a:solidFill>
+                <a:srgbClr val="FFFFFF"/>
+              </a:solidFill>
+            </a:endParaRPr>
+          </a:p>
+        </p:txBody>
+      </p:sp>
+      <p:sp>
+        <p:nvSpPr>
+          <p:cNvPr id="10" name="AutoShape 2794"/>
+          <p:cNvSpPr>
+            <a:spLocks noChangeArrowheads="1"/>
+          </p:cNvSpPr>
+          <p:nvPr/>
+        </p:nvSpPr>
+        <p:spPr bwMode="auto">
+          <a:xfrm flipH="1">
+            <a:off x="4062549" y="4785796"/>
+            <a:ext cx="3546761" cy="666749"/>
+          </a:xfrm>
+          <a:prstGeom prst="chevron">
+            <a:avLst>
+              <a:gd name="adj" fmla="val 32173"/>
+            </a:avLst>
+          </a:prstGeom>
+          <a:solidFill>
+            <a:srgbClr val="009FDB"/>
+          </a:solidFill>
+          <a:ln w="9525">
+            <a:noFill/>
+            <a:miter lim="800000"/>
+            <a:headEnd/>
+            <a:tailEnd/>
+          </a:ln>
+          <a:effectLst/>
+        </p:spPr>
+        <p:txBody>
+          <a:bodyPr wrap="none" anchor="ctr"/>
+          <a:lstStyle/>
+          <a:p>
+            <a:r>
+              <a:rPr lang="en-US" altLang="zh-CN" sz="2400" b="1" dirty="0" smtClean="0">
+                <a:solidFill>
+                  <a:srgbClr val="FFFFFF"/>
+                </a:solidFill>
+              </a:rPr>
+              <a:t>3.4 </a:t>
+            </a:r>
+            <a:r>
+              <a:rPr lang="zh-CN" altLang="en-US" sz="2400" b="1" dirty="0" smtClean="0">
+                <a:solidFill>
+                  <a:srgbClr val="FFFFFF"/>
+                </a:solidFill>
+              </a:rPr>
+              <a:t>系统后台实现</a:t>
+            </a:r>
+            <a:endParaRPr lang="zh-CN" altLang="zh-CN" sz="2400" b="1" dirty="0" smtClean="0">
+              <a:solidFill>
+                <a:srgbClr val="FFFFFF"/>
+              </a:solidFill>
+            </a:endParaRPr>
+          </a:p>
+        </p:txBody>
+      </p:sp>
+      <p:sp>
+        <p:nvSpPr>
+          <p:cNvPr id="11" name="AutoShape 2794"/>
+          <p:cNvSpPr>
+            <a:spLocks noChangeArrowheads="1"/>
+          </p:cNvSpPr>
+          <p:nvPr/>
+        </p:nvSpPr>
+        <p:spPr bwMode="auto">
+          <a:xfrm flipH="1">
+            <a:off x="4062549" y="5712466"/>
+            <a:ext cx="3546761" cy="666749"/>
+          </a:xfrm>
+          <a:prstGeom prst="chevron">
+            <a:avLst>
+              <a:gd name="adj" fmla="val 32173"/>
+            </a:avLst>
+          </a:prstGeom>
+          <a:solidFill>
+            <a:srgbClr val="009FDB"/>
+          </a:solidFill>
+          <a:ln w="9525">
+            <a:noFill/>
+            <a:miter lim="800000"/>
+            <a:headEnd/>
+            <a:tailEnd/>
+          </a:ln>
+          <a:effectLst/>
+        </p:spPr>
+        <p:txBody>
+          <a:bodyPr wrap="none" anchor="ctr"/>
+          <a:lstStyle/>
+          <a:p>
+            <a:r>
+              <a:rPr lang="en-US" altLang="zh-CN" sz="2400" b="1" dirty="0" smtClean="0">
+                <a:solidFill>
+                  <a:srgbClr val="FFFFFF"/>
+                </a:solidFill>
+              </a:rPr>
+              <a:t>3.5 </a:t>
+            </a:r>
+            <a:r>
+              <a:rPr lang="zh-CN" altLang="en-US" sz="2400" b="1" dirty="0" smtClean="0">
+                <a:solidFill>
+                  <a:srgbClr val="FFFFFF"/>
+                </a:solidFill>
+              </a:rPr>
+              <a:t>系统前台实现</a:t>
+            </a:r>
+            <a:endParaRPr lang="zh-CN" altLang="zh-CN" sz="2400" b="1" dirty="0" smtClean="0">
+              <a:solidFill>
+                <a:srgbClr val="FFFFFF"/>
+              </a:solidFill>
+            </a:endParaRPr>
+          </a:p>
+        </p:txBody>
+      </p:sp>
+      <p:sp>
+        <p:nvSpPr>
+          <p:cNvPr id="12" name="AutoShape 2794"/>
+          <p:cNvSpPr>
+            <a:spLocks noChangeArrowheads="1"/>
+          </p:cNvSpPr>
+          <p:nvPr/>
+        </p:nvSpPr>
+        <p:spPr bwMode="auto">
+          <a:xfrm>
+            <a:off x="0" y="1384814"/>
+            <a:ext cx="4062549" cy="666749"/>
+          </a:xfrm>
+          <a:prstGeom prst="chevron">
+            <a:avLst>
+              <a:gd name="adj" fmla="val 32173"/>
+            </a:avLst>
+          </a:prstGeom>
+          <a:solidFill>
+            <a:srgbClr val="009FDB"/>
+          </a:solidFill>
+          <a:ln w="9525">
+            <a:noFill/>
+            <a:miter lim="800000"/>
+            <a:headEnd/>
+            <a:tailEnd/>
+          </a:ln>
+          <a:effectLst/>
+        </p:spPr>
+        <p:txBody>
+          <a:bodyPr wrap="none" anchor="ctr"/>
+          <a:lstStyle/>
+          <a:p>
+            <a:r>
+              <a:rPr lang="zh-CN" altLang="en-US" sz="3200" b="1" dirty="0">
+                <a:solidFill>
+                  <a:srgbClr val="FFFFFF"/>
+                </a:solidFill>
+              </a:rPr>
+              <a:t>三、主要工作内容</a:t>
+            </a:r>
+            <a:endParaRPr lang="zh-CN" altLang="zh-CN" sz="3200" b="1" dirty="0">
+              <a:solidFill>
+                <a:srgbClr val="FFFFFF"/>
+              </a:solidFill>
+            </a:endParaRPr>
           </a:p>
         </p:txBody>
       </p:sp>
@@ -5925,7 +8672,7 @@
         </p:nvSpPr>
         <p:spPr>
           <a:xfrm>
-            <a:off x="481657" y="2780012"/>
+            <a:off x="481657" y="2419788"/>
             <a:ext cx="2082621" cy="523220"/>
           </a:xfrm>
           <a:prstGeom prst="rect">
@@ -5989,7 +8736,7 @@
                   <a:srgbClr val="FFFFFF"/>
                 </a:solidFill>
               </a:rPr>
-              <a:t>3.2</a:t>
+              <a:t>3.2 </a:t>
             </a:r>
             <a:r>
               <a:rPr lang="zh-CN" altLang="en-US" sz="2400" b="1" dirty="0" smtClean="0">
@@ -6023,8 +8770,8 @@
         </p:blipFill>
         <p:spPr>
           <a:xfrm>
-            <a:off x="959373" y="2183249"/>
-            <a:ext cx="4324460" cy="4366203"/>
+            <a:off x="787400" y="2183249"/>
+            <a:ext cx="4698999" cy="4366203"/>
           </a:xfrm>
           <a:prstGeom prst="rect">
             <a:avLst/>
@@ -6039,7 +8786,7 @@
         </p:nvSpPr>
         <p:spPr>
           <a:xfrm>
-            <a:off x="5761030" y="2780012"/>
+            <a:off x="5761030" y="2419788"/>
             <a:ext cx="2441694" cy="523220"/>
           </a:xfrm>
           <a:prstGeom prst="rect">
